--- a/_book/plot/pro-survey-q3-1.pptx
+++ b/_book/plot/pro-survey-q3-1.pptx
@@ -3158,101 +3158,101 @@
           <p:spPr>
             <a:xfrm>
               <a:off x="4930243" y="1973107"/>
-              <a:ext cx="16208" cy="1808317"/>
+              <a:ext cx="11922" cy="1808317"/>
             </a:xfrm>
             <a:custGeom>
               <a:avLst/>
               <a:pathLst>
-                <a:path w="16208" h="1808317">
+                <a:path w="11922" h="1808317">
                   <a:moveTo>
                     <a:pt x="0" y="1808317"/>
                   </a:moveTo>
                   <a:lnTo>
-                    <a:pt x="558" y="1745964"/>
-                  </a:lnTo>
-                  <a:lnTo>
-                    <a:pt x="1117" y="1683610"/>
-                  </a:lnTo>
-                  <a:lnTo>
-                    <a:pt x="1676" y="1621257"/>
-                  </a:lnTo>
-                  <a:lnTo>
-                    <a:pt x="2235" y="1558904"/>
-                  </a:lnTo>
-                  <a:lnTo>
-                    <a:pt x="2794" y="1496551"/>
-                  </a:lnTo>
-                  <a:lnTo>
-                    <a:pt x="3353" y="1434197"/>
-                  </a:lnTo>
-                  <a:lnTo>
-                    <a:pt x="3912" y="1371844"/>
-                  </a:lnTo>
-                  <a:lnTo>
-                    <a:pt x="4471" y="1309491"/>
-                  </a:lnTo>
-                  <a:lnTo>
-                    <a:pt x="5030" y="1247138"/>
-                  </a:lnTo>
-                  <a:lnTo>
-                    <a:pt x="5588" y="1184784"/>
-                  </a:lnTo>
-                  <a:lnTo>
-                    <a:pt x="6147" y="1122431"/>
-                  </a:lnTo>
-                  <a:lnTo>
-                    <a:pt x="6706" y="1060078"/>
-                  </a:lnTo>
-                  <a:lnTo>
-                    <a:pt x="7265" y="997724"/>
-                  </a:lnTo>
-                  <a:lnTo>
-                    <a:pt x="7824" y="935371"/>
-                  </a:lnTo>
-                  <a:lnTo>
-                    <a:pt x="8383" y="873018"/>
-                  </a:lnTo>
-                  <a:lnTo>
-                    <a:pt x="8942" y="810665"/>
-                  </a:lnTo>
-                  <a:lnTo>
-                    <a:pt x="9501" y="748311"/>
-                  </a:lnTo>
-                  <a:lnTo>
-                    <a:pt x="10060" y="685958"/>
-                  </a:lnTo>
-                  <a:lnTo>
-                    <a:pt x="10619" y="623605"/>
-                  </a:lnTo>
-                  <a:lnTo>
-                    <a:pt x="11177" y="561252"/>
-                  </a:lnTo>
-                  <a:lnTo>
-                    <a:pt x="11736" y="498898"/>
-                  </a:lnTo>
-                  <a:lnTo>
-                    <a:pt x="12295" y="436545"/>
-                  </a:lnTo>
-                  <a:lnTo>
-                    <a:pt x="12854" y="374192"/>
-                  </a:lnTo>
-                  <a:lnTo>
-                    <a:pt x="13413" y="311838"/>
-                  </a:lnTo>
-                  <a:lnTo>
-                    <a:pt x="13972" y="249485"/>
-                  </a:lnTo>
-                  <a:lnTo>
-                    <a:pt x="14531" y="187132"/>
-                  </a:lnTo>
-                  <a:lnTo>
-                    <a:pt x="15090" y="124779"/>
-                  </a:lnTo>
-                  <a:lnTo>
-                    <a:pt x="15649" y="62425"/>
-                  </a:lnTo>
-                  <a:lnTo>
-                    <a:pt x="16208" y="72"/>
+                    <a:pt x="411" y="1745963"/>
+                  </a:lnTo>
+                  <a:lnTo>
+                    <a:pt x="822" y="1683608"/>
+                  </a:lnTo>
+                  <a:lnTo>
+                    <a:pt x="1233" y="1621254"/>
+                  </a:lnTo>
+                  <a:lnTo>
+                    <a:pt x="1644" y="1558899"/>
+                  </a:lnTo>
+                  <a:lnTo>
+                    <a:pt x="2055" y="1496545"/>
+                  </a:lnTo>
+                  <a:lnTo>
+                    <a:pt x="2466" y="1434190"/>
+                  </a:lnTo>
+                  <a:lnTo>
+                    <a:pt x="2877" y="1371836"/>
+                  </a:lnTo>
+                  <a:lnTo>
+                    <a:pt x="3288" y="1309482"/>
+                  </a:lnTo>
+                  <a:lnTo>
+                    <a:pt x="3700" y="1247127"/>
+                  </a:lnTo>
+                  <a:lnTo>
+                    <a:pt x="4111" y="1184773"/>
+                  </a:lnTo>
+                  <a:lnTo>
+                    <a:pt x="4522" y="1122418"/>
+                  </a:lnTo>
+                  <a:lnTo>
+                    <a:pt x="4933" y="1060064"/>
+                  </a:lnTo>
+                  <a:lnTo>
+                    <a:pt x="5344" y="997709"/>
+                  </a:lnTo>
+                  <a:lnTo>
+                    <a:pt x="5755" y="935355"/>
+                  </a:lnTo>
+                  <a:lnTo>
+                    <a:pt x="6166" y="873001"/>
+                  </a:lnTo>
+                  <a:lnTo>
+                    <a:pt x="6577" y="810646"/>
+                  </a:lnTo>
+                  <a:lnTo>
+                    <a:pt x="6988" y="748292"/>
+                  </a:lnTo>
+                  <a:lnTo>
+                    <a:pt x="7400" y="685937"/>
+                  </a:lnTo>
+                  <a:lnTo>
+                    <a:pt x="7811" y="623583"/>
+                  </a:lnTo>
+                  <a:lnTo>
+                    <a:pt x="8222" y="561229"/>
+                  </a:lnTo>
+                  <a:lnTo>
+                    <a:pt x="8633" y="498874"/>
+                  </a:lnTo>
+                  <a:lnTo>
+                    <a:pt x="9044" y="436520"/>
+                  </a:lnTo>
+                  <a:lnTo>
+                    <a:pt x="9455" y="374165"/>
+                  </a:lnTo>
+                  <a:lnTo>
+                    <a:pt x="9866" y="311811"/>
+                  </a:lnTo>
+                  <a:lnTo>
+                    <a:pt x="10277" y="249456"/>
+                  </a:lnTo>
+                  <a:lnTo>
+                    <a:pt x="10688" y="187102"/>
+                  </a:lnTo>
+                  <a:lnTo>
+                    <a:pt x="11100" y="124748"/>
+                  </a:lnTo>
+                  <a:lnTo>
+                    <a:pt x="11511" y="62393"/>
+                  </a:lnTo>
+                  <a:lnTo>
+                    <a:pt x="11922" y="39"/>
                   </a:lnTo>
                   <a:lnTo>
                     <a:pt x="0" y="0"/>
@@ -3374,189 +3374,189 @@
           </p:nvSpPr>
           <p:spPr>
             <a:xfrm>
-              <a:off x="4930243" y="1973180"/>
-              <a:ext cx="81014" cy="1808244"/>
+              <a:off x="4930243" y="1973146"/>
+              <a:ext cx="83426" cy="1808278"/>
             </a:xfrm>
             <a:custGeom>
               <a:avLst/>
               <a:pathLst>
-                <a:path w="81014" h="1808244">
+                <a:path w="83426" h="1808278">
                   <a:moveTo>
-                    <a:pt x="0" y="1808244"/>
+                    <a:pt x="0" y="1808278"/>
                   </a:moveTo>
                   <a:lnTo>
-                    <a:pt x="2793" y="1745951"/>
-                  </a:lnTo>
-                  <a:lnTo>
-                    <a:pt x="5587" y="1683658"/>
-                  </a:lnTo>
-                  <a:lnTo>
-                    <a:pt x="8380" y="1621365"/>
-                  </a:lnTo>
-                  <a:lnTo>
-                    <a:pt x="11174" y="1559072"/>
-                  </a:lnTo>
-                  <a:lnTo>
-                    <a:pt x="13967" y="1496778"/>
-                  </a:lnTo>
-                  <a:lnTo>
-                    <a:pt x="16761" y="1434485"/>
-                  </a:lnTo>
-                  <a:lnTo>
-                    <a:pt x="19555" y="1372192"/>
-                  </a:lnTo>
-                  <a:lnTo>
-                    <a:pt x="22348" y="1309899"/>
-                  </a:lnTo>
-                  <a:lnTo>
-                    <a:pt x="25142" y="1247606"/>
-                  </a:lnTo>
-                  <a:lnTo>
-                    <a:pt x="27935" y="1185313"/>
-                  </a:lnTo>
-                  <a:lnTo>
-                    <a:pt x="30729" y="1123019"/>
-                  </a:lnTo>
-                  <a:lnTo>
-                    <a:pt x="33523" y="1060726"/>
-                  </a:lnTo>
-                  <a:lnTo>
-                    <a:pt x="36316" y="998433"/>
-                  </a:lnTo>
-                  <a:lnTo>
-                    <a:pt x="39110" y="936140"/>
-                  </a:lnTo>
-                  <a:lnTo>
-                    <a:pt x="41903" y="873847"/>
-                  </a:lnTo>
-                  <a:lnTo>
-                    <a:pt x="44697" y="811554"/>
-                  </a:lnTo>
-                  <a:lnTo>
-                    <a:pt x="47491" y="749261"/>
-                  </a:lnTo>
-                  <a:lnTo>
-                    <a:pt x="50284" y="686967"/>
-                  </a:lnTo>
-                  <a:lnTo>
-                    <a:pt x="53078" y="624674"/>
-                  </a:lnTo>
-                  <a:lnTo>
-                    <a:pt x="55871" y="562381"/>
-                  </a:lnTo>
-                  <a:lnTo>
-                    <a:pt x="58665" y="500088"/>
-                  </a:lnTo>
-                  <a:lnTo>
-                    <a:pt x="61459" y="437795"/>
-                  </a:lnTo>
-                  <a:lnTo>
-                    <a:pt x="64252" y="375502"/>
-                  </a:lnTo>
-                  <a:lnTo>
-                    <a:pt x="67046" y="313208"/>
-                  </a:lnTo>
-                  <a:lnTo>
-                    <a:pt x="69839" y="250915"/>
-                  </a:lnTo>
-                  <a:lnTo>
-                    <a:pt x="72633" y="188622"/>
-                  </a:lnTo>
-                  <a:lnTo>
-                    <a:pt x="75427" y="126329"/>
-                  </a:lnTo>
-                  <a:lnTo>
-                    <a:pt x="78220" y="64036"/>
-                  </a:lnTo>
-                  <a:lnTo>
-                    <a:pt x="81014" y="1743"/>
-                  </a:lnTo>
-                  <a:lnTo>
-                    <a:pt x="16208" y="0"/>
-                  </a:lnTo>
-                  <a:lnTo>
-                    <a:pt x="15649" y="62353"/>
-                  </a:lnTo>
-                  <a:lnTo>
-                    <a:pt x="15090" y="124706"/>
-                  </a:lnTo>
-                  <a:lnTo>
-                    <a:pt x="14531" y="187059"/>
-                  </a:lnTo>
-                  <a:lnTo>
-                    <a:pt x="13972" y="249413"/>
-                  </a:lnTo>
-                  <a:lnTo>
-                    <a:pt x="13413" y="311766"/>
-                  </a:lnTo>
-                  <a:lnTo>
-                    <a:pt x="12854" y="374119"/>
-                  </a:lnTo>
-                  <a:lnTo>
-                    <a:pt x="12295" y="436472"/>
-                  </a:lnTo>
-                  <a:lnTo>
-                    <a:pt x="11736" y="498826"/>
-                  </a:lnTo>
-                  <a:lnTo>
-                    <a:pt x="11177" y="561179"/>
-                  </a:lnTo>
-                  <a:lnTo>
-                    <a:pt x="10619" y="623532"/>
-                  </a:lnTo>
-                  <a:lnTo>
-                    <a:pt x="10060" y="685885"/>
-                  </a:lnTo>
-                  <a:lnTo>
-                    <a:pt x="9501" y="748239"/>
-                  </a:lnTo>
-                  <a:lnTo>
-                    <a:pt x="8942" y="810592"/>
-                  </a:lnTo>
-                  <a:lnTo>
-                    <a:pt x="8383" y="872945"/>
-                  </a:lnTo>
-                  <a:lnTo>
-                    <a:pt x="7824" y="935299"/>
-                  </a:lnTo>
-                  <a:lnTo>
-                    <a:pt x="7265" y="997652"/>
-                  </a:lnTo>
-                  <a:lnTo>
-                    <a:pt x="6706" y="1060005"/>
-                  </a:lnTo>
-                  <a:lnTo>
-                    <a:pt x="6147" y="1122358"/>
-                  </a:lnTo>
-                  <a:lnTo>
-                    <a:pt x="5588" y="1184712"/>
-                  </a:lnTo>
-                  <a:lnTo>
-                    <a:pt x="5030" y="1247065"/>
-                  </a:lnTo>
-                  <a:lnTo>
-                    <a:pt x="4471" y="1309418"/>
-                  </a:lnTo>
-                  <a:lnTo>
-                    <a:pt x="3912" y="1371771"/>
-                  </a:lnTo>
-                  <a:lnTo>
-                    <a:pt x="3353" y="1434125"/>
-                  </a:lnTo>
-                  <a:lnTo>
-                    <a:pt x="2794" y="1496478"/>
-                  </a:lnTo>
-                  <a:lnTo>
-                    <a:pt x="2235" y="1558831"/>
-                  </a:lnTo>
-                  <a:lnTo>
-                    <a:pt x="1676" y="1621184"/>
-                  </a:lnTo>
-                  <a:lnTo>
-                    <a:pt x="1117" y="1683538"/>
-                  </a:lnTo>
-                  <a:lnTo>
-                    <a:pt x="558" y="1745891"/>
+                    <a:pt x="2876" y="1745988"/>
+                  </a:lnTo>
+                  <a:lnTo>
+                    <a:pt x="5753" y="1683699"/>
+                  </a:lnTo>
+                  <a:lnTo>
+                    <a:pt x="8630" y="1621410"/>
+                  </a:lnTo>
+                  <a:lnTo>
+                    <a:pt x="11507" y="1559120"/>
+                  </a:lnTo>
+                  <a:lnTo>
+                    <a:pt x="14383" y="1496831"/>
+                  </a:lnTo>
+                  <a:lnTo>
+                    <a:pt x="17260" y="1434541"/>
+                  </a:lnTo>
+                  <a:lnTo>
+                    <a:pt x="20137" y="1372252"/>
+                  </a:lnTo>
+                  <a:lnTo>
+                    <a:pt x="23014" y="1309963"/>
+                  </a:lnTo>
+                  <a:lnTo>
+                    <a:pt x="25891" y="1247673"/>
+                  </a:lnTo>
+                  <a:lnTo>
+                    <a:pt x="28767" y="1185384"/>
+                  </a:lnTo>
+                  <a:lnTo>
+                    <a:pt x="31644" y="1123094"/>
+                  </a:lnTo>
+                  <a:lnTo>
+                    <a:pt x="34521" y="1060805"/>
+                  </a:lnTo>
+                  <a:lnTo>
+                    <a:pt x="37398" y="998516"/>
+                  </a:lnTo>
+                  <a:lnTo>
+                    <a:pt x="40274" y="936226"/>
+                  </a:lnTo>
+                  <a:lnTo>
+                    <a:pt x="43151" y="873937"/>
+                  </a:lnTo>
+                  <a:lnTo>
+                    <a:pt x="46028" y="811648"/>
+                  </a:lnTo>
+                  <a:lnTo>
+                    <a:pt x="48905" y="749358"/>
+                  </a:lnTo>
+                  <a:lnTo>
+                    <a:pt x="51782" y="687069"/>
+                  </a:lnTo>
+                  <a:lnTo>
+                    <a:pt x="54658" y="624779"/>
+                  </a:lnTo>
+                  <a:lnTo>
+                    <a:pt x="57535" y="562490"/>
+                  </a:lnTo>
+                  <a:lnTo>
+                    <a:pt x="60412" y="500201"/>
+                  </a:lnTo>
+                  <a:lnTo>
+                    <a:pt x="63289" y="437911"/>
+                  </a:lnTo>
+                  <a:lnTo>
+                    <a:pt x="66166" y="375622"/>
+                  </a:lnTo>
+                  <a:lnTo>
+                    <a:pt x="69042" y="313333"/>
+                  </a:lnTo>
+                  <a:lnTo>
+                    <a:pt x="71919" y="251043"/>
+                  </a:lnTo>
+                  <a:lnTo>
+                    <a:pt x="74796" y="188754"/>
+                  </a:lnTo>
+                  <a:lnTo>
+                    <a:pt x="77673" y="126464"/>
+                  </a:lnTo>
+                  <a:lnTo>
+                    <a:pt x="80549" y="64175"/>
+                  </a:lnTo>
+                  <a:lnTo>
+                    <a:pt x="83426" y="1886"/>
+                  </a:lnTo>
+                  <a:lnTo>
+                    <a:pt x="11922" y="0"/>
+                  </a:lnTo>
+                  <a:lnTo>
+                    <a:pt x="11511" y="62354"/>
+                  </a:lnTo>
+                  <a:lnTo>
+                    <a:pt x="11100" y="124708"/>
+                  </a:lnTo>
+                  <a:lnTo>
+                    <a:pt x="10688" y="187063"/>
+                  </a:lnTo>
+                  <a:lnTo>
+                    <a:pt x="10277" y="249417"/>
+                  </a:lnTo>
+                  <a:lnTo>
+                    <a:pt x="9866" y="311772"/>
+                  </a:lnTo>
+                  <a:lnTo>
+                    <a:pt x="9455" y="374126"/>
+                  </a:lnTo>
+                  <a:lnTo>
+                    <a:pt x="9044" y="436480"/>
+                  </a:lnTo>
+                  <a:lnTo>
+                    <a:pt x="8633" y="498835"/>
+                  </a:lnTo>
+                  <a:lnTo>
+                    <a:pt x="8222" y="561189"/>
+                  </a:lnTo>
+                  <a:lnTo>
+                    <a:pt x="7811" y="623544"/>
+                  </a:lnTo>
+                  <a:lnTo>
+                    <a:pt x="7400" y="685898"/>
+                  </a:lnTo>
+                  <a:lnTo>
+                    <a:pt x="6988" y="748253"/>
+                  </a:lnTo>
+                  <a:lnTo>
+                    <a:pt x="6577" y="810607"/>
+                  </a:lnTo>
+                  <a:lnTo>
+                    <a:pt x="6166" y="872961"/>
+                  </a:lnTo>
+                  <a:lnTo>
+                    <a:pt x="5755" y="935316"/>
+                  </a:lnTo>
+                  <a:lnTo>
+                    <a:pt x="5344" y="997670"/>
+                  </a:lnTo>
+                  <a:lnTo>
+                    <a:pt x="4933" y="1060025"/>
+                  </a:lnTo>
+                  <a:lnTo>
+                    <a:pt x="4522" y="1122379"/>
+                  </a:lnTo>
+                  <a:lnTo>
+                    <a:pt x="4111" y="1184733"/>
+                  </a:lnTo>
+                  <a:lnTo>
+                    <a:pt x="3700" y="1247088"/>
+                  </a:lnTo>
+                  <a:lnTo>
+                    <a:pt x="3288" y="1309442"/>
+                  </a:lnTo>
+                  <a:lnTo>
+                    <a:pt x="2877" y="1371797"/>
+                  </a:lnTo>
+                  <a:lnTo>
+                    <a:pt x="2466" y="1434151"/>
+                  </a:lnTo>
+                  <a:lnTo>
+                    <a:pt x="2055" y="1496506"/>
+                  </a:lnTo>
+                  <a:lnTo>
+                    <a:pt x="1644" y="1558860"/>
+                  </a:lnTo>
+                  <a:lnTo>
+                    <a:pt x="1233" y="1621214"/>
+                  </a:lnTo>
+                  <a:lnTo>
+                    <a:pt x="822" y="1683569"/>
+                  </a:lnTo>
+                  <a:lnTo>
+                    <a:pt x="411" y="1745923"/>
                   </a:lnTo>
                   <a:close/>
                 </a:path>
@@ -3591,459 +3591,453 @@
           </p:nvSpPr>
           <p:spPr>
             <a:xfrm>
-              <a:off x="4922139" y="1974923"/>
-              <a:ext cx="1816369" cy="3614801"/>
+              <a:off x="4930243" y="1975033"/>
+              <a:ext cx="1808290" cy="3610378"/>
             </a:xfrm>
             <a:custGeom>
               <a:avLst/>
               <a:pathLst>
-                <a:path w="1816369" h="3614801">
+                <a:path w="1808290" h="3610378">
                   <a:moveTo>
-                    <a:pt x="8104" y="1806501"/>
+                    <a:pt x="0" y="1806391"/>
                   </a:moveTo>
                   <a:lnTo>
-                    <a:pt x="7824" y="1868856"/>
-                  </a:lnTo>
-                  <a:lnTo>
-                    <a:pt x="7545" y="1931212"/>
-                  </a:lnTo>
-                  <a:lnTo>
-                    <a:pt x="7265" y="1993567"/>
-                  </a:lnTo>
-                  <a:lnTo>
-                    <a:pt x="6986" y="2055922"/>
-                  </a:lnTo>
-                  <a:lnTo>
-                    <a:pt x="6706" y="2118277"/>
-                  </a:lnTo>
-                  <a:lnTo>
-                    <a:pt x="6427" y="2180632"/>
-                  </a:lnTo>
-                  <a:lnTo>
-                    <a:pt x="6147" y="2242987"/>
-                  </a:lnTo>
-                  <a:lnTo>
-                    <a:pt x="5868" y="2305342"/>
-                  </a:lnTo>
-                  <a:lnTo>
-                    <a:pt x="5589" y="2367698"/>
-                  </a:lnTo>
-                  <a:lnTo>
-                    <a:pt x="5309" y="2430053"/>
-                  </a:lnTo>
-                  <a:lnTo>
-                    <a:pt x="5030" y="2492408"/>
-                  </a:lnTo>
-                  <a:lnTo>
-                    <a:pt x="4750" y="2554763"/>
-                  </a:lnTo>
-                  <a:lnTo>
-                    <a:pt x="4471" y="2617118"/>
-                  </a:lnTo>
-                  <a:lnTo>
-                    <a:pt x="4191" y="2679473"/>
-                  </a:lnTo>
-                  <a:lnTo>
-                    <a:pt x="3912" y="2741828"/>
-                  </a:lnTo>
-                  <a:lnTo>
-                    <a:pt x="3632" y="2804184"/>
-                  </a:lnTo>
-                  <a:lnTo>
-                    <a:pt x="3353" y="2866539"/>
-                  </a:lnTo>
-                  <a:lnTo>
-                    <a:pt x="3073" y="2928894"/>
-                  </a:lnTo>
-                  <a:lnTo>
-                    <a:pt x="2794" y="2991249"/>
-                  </a:lnTo>
-                  <a:lnTo>
-                    <a:pt x="2515" y="3053604"/>
-                  </a:lnTo>
-                  <a:lnTo>
-                    <a:pt x="2235" y="3115959"/>
-                  </a:lnTo>
-                  <a:lnTo>
-                    <a:pt x="1956" y="3178315"/>
-                  </a:lnTo>
-                  <a:lnTo>
-                    <a:pt x="1676" y="3240670"/>
-                  </a:lnTo>
-                  <a:lnTo>
-                    <a:pt x="1397" y="3303025"/>
-                  </a:lnTo>
-                  <a:lnTo>
-                    <a:pt x="1117" y="3365380"/>
-                  </a:lnTo>
-                  <a:lnTo>
-                    <a:pt x="838" y="3427735"/>
-                  </a:lnTo>
-                  <a:lnTo>
-                    <a:pt x="558" y="3490090"/>
-                  </a:lnTo>
-                  <a:lnTo>
-                    <a:pt x="279" y="3552445"/>
-                  </a:lnTo>
-                  <a:lnTo>
-                    <a:pt x="0" y="3614801"/>
-                  </a:lnTo>
-                  <a:lnTo>
-                    <a:pt x="61619" y="3614027"/>
-                  </a:lnTo>
-                  <a:lnTo>
-                    <a:pt x="123176" y="3611154"/>
-                  </a:lnTo>
-                  <a:lnTo>
-                    <a:pt x="184599" y="3606185"/>
-                  </a:lnTo>
-                  <a:lnTo>
-                    <a:pt x="245818" y="3599126"/>
-                  </a:lnTo>
-                  <a:lnTo>
-                    <a:pt x="306760" y="3589986"/>
-                  </a:lnTo>
-                  <a:lnTo>
-                    <a:pt x="367355" y="3578774"/>
-                  </a:lnTo>
-                  <a:lnTo>
-                    <a:pt x="427534" y="3565504"/>
-                  </a:lnTo>
-                  <a:lnTo>
-                    <a:pt x="487225" y="3550191"/>
-                  </a:lnTo>
-                  <a:lnTo>
-                    <a:pt x="546360" y="3532854"/>
-                  </a:lnTo>
-                  <a:lnTo>
-                    <a:pt x="604870" y="3513511"/>
-                  </a:lnTo>
-                  <a:lnTo>
-                    <a:pt x="662686" y="3492186"/>
-                  </a:lnTo>
-                  <a:lnTo>
-                    <a:pt x="719743" y="3468904"/>
-                  </a:lnTo>
-                  <a:lnTo>
-                    <a:pt x="775973" y="3443691"/>
-                  </a:lnTo>
-                  <a:lnTo>
-                    <a:pt x="831311" y="3416576"/>
-                  </a:lnTo>
-                  <a:lnTo>
-                    <a:pt x="885694" y="3387592"/>
-                  </a:lnTo>
-                  <a:lnTo>
-                    <a:pt x="939057" y="3356772"/>
-                  </a:lnTo>
-                  <a:lnTo>
-                    <a:pt x="991339" y="3324151"/>
-                  </a:lnTo>
-                  <a:lnTo>
-                    <a:pt x="1042479" y="3289768"/>
-                  </a:lnTo>
-                  <a:lnTo>
-                    <a:pt x="1092418" y="3253662"/>
-                  </a:lnTo>
-                  <a:lnTo>
-                    <a:pt x="1141098" y="3215876"/>
-                  </a:lnTo>
-                  <a:lnTo>
-                    <a:pt x="1188462" y="3176453"/>
-                  </a:lnTo>
-                  <a:lnTo>
-                    <a:pt x="1234455" y="3135439"/>
-                  </a:lnTo>
-                  <a:lnTo>
-                    <a:pt x="1279024" y="3092881"/>
-                  </a:lnTo>
-                  <a:lnTo>
-                    <a:pt x="1322117" y="3048830"/>
-                  </a:lnTo>
-                  <a:lnTo>
-                    <a:pt x="1363684" y="3003336"/>
-                  </a:lnTo>
-                  <a:lnTo>
-                    <a:pt x="1403677" y="2956452"/>
-                  </a:lnTo>
-                  <a:lnTo>
-                    <a:pt x="1442049" y="2908233"/>
-                  </a:lnTo>
-                  <a:lnTo>
-                    <a:pt x="1478756" y="2858734"/>
-                  </a:lnTo>
-                  <a:lnTo>
-                    <a:pt x="1513755" y="2808013"/>
-                  </a:lnTo>
-                  <a:lnTo>
-                    <a:pt x="1547005" y="2756129"/>
-                  </a:lnTo>
-                  <a:lnTo>
-                    <a:pt x="1578469" y="2703143"/>
-                  </a:lnTo>
-                  <a:lnTo>
-                    <a:pt x="1608108" y="2649115"/>
-                  </a:lnTo>
-                  <a:lnTo>
-                    <a:pt x="1635890" y="2594108"/>
-                  </a:lnTo>
-                  <a:lnTo>
-                    <a:pt x="1661781" y="2538187"/>
-                  </a:lnTo>
-                  <a:lnTo>
-                    <a:pt x="1685751" y="2481416"/>
-                  </a:lnTo>
-                  <a:lnTo>
-                    <a:pt x="1707774" y="2423862"/>
-                  </a:lnTo>
-                  <a:lnTo>
-                    <a:pt x="1727822" y="2365590"/>
-                  </a:lnTo>
-                  <a:lnTo>
-                    <a:pt x="1745873" y="2306669"/>
-                  </a:lnTo>
-                  <a:lnTo>
-                    <a:pt x="1761907" y="2247167"/>
-                  </a:lnTo>
-                  <a:lnTo>
-                    <a:pt x="1775903" y="2187154"/>
-                  </a:lnTo>
-                  <a:lnTo>
-                    <a:pt x="1787847" y="2126698"/>
-                  </a:lnTo>
-                  <a:lnTo>
-                    <a:pt x="1797723" y="2065871"/>
-                  </a:lnTo>
-                  <a:lnTo>
-                    <a:pt x="1805522" y="2004742"/>
-                  </a:lnTo>
-                  <a:lnTo>
-                    <a:pt x="1811233" y="1943383"/>
-                  </a:lnTo>
-                  <a:lnTo>
-                    <a:pt x="1814850" y="1881866"/>
-                  </a:lnTo>
-                  <a:lnTo>
-                    <a:pt x="1816369" y="1820260"/>
-                  </a:lnTo>
-                  <a:lnTo>
-                    <a:pt x="1815788" y="1758639"/>
-                  </a:lnTo>
-                  <a:lnTo>
-                    <a:pt x="1813107" y="1697073"/>
-                  </a:lnTo>
-                  <a:lnTo>
-                    <a:pt x="1808330" y="1635635"/>
-                  </a:lnTo>
-                  <a:lnTo>
-                    <a:pt x="1801463" y="1574394"/>
-                  </a:lnTo>
-                  <a:lnTo>
-                    <a:pt x="1792513" y="1513424"/>
-                  </a:lnTo>
-                  <a:lnTo>
-                    <a:pt x="1781491" y="1452794"/>
-                  </a:lnTo>
-                  <a:lnTo>
-                    <a:pt x="1768409" y="1392574"/>
-                  </a:lnTo>
-                  <a:lnTo>
-                    <a:pt x="1753283" y="1332835"/>
-                  </a:lnTo>
-                  <a:lnTo>
-                    <a:pt x="1736131" y="1273646"/>
-                  </a:lnTo>
-                  <a:lnTo>
-                    <a:pt x="1716971" y="1215076"/>
-                  </a:lnTo>
-                  <a:lnTo>
-                    <a:pt x="1695827" y="1157193"/>
-                  </a:lnTo>
-                  <a:lnTo>
-                    <a:pt x="1672723" y="1100064"/>
-                  </a:lnTo>
-                  <a:lnTo>
-                    <a:pt x="1647686" y="1043756"/>
-                  </a:lnTo>
-                  <a:lnTo>
-                    <a:pt x="1620745" y="988333"/>
-                  </a:lnTo>
-                  <a:lnTo>
-                    <a:pt x="1591931" y="933860"/>
-                  </a:lnTo>
-                  <a:lnTo>
-                    <a:pt x="1561278" y="880401"/>
-                  </a:lnTo>
-                  <a:lnTo>
-                    <a:pt x="1528821" y="828017"/>
-                  </a:lnTo>
-                  <a:lnTo>
-                    <a:pt x="1494598" y="776769"/>
-                  </a:lnTo>
-                  <a:lnTo>
-                    <a:pt x="1458648" y="726718"/>
-                  </a:lnTo>
-                  <a:lnTo>
-                    <a:pt x="1421014" y="677920"/>
-                  </a:lnTo>
-                  <a:lnTo>
-                    <a:pt x="1381740" y="630433"/>
-                  </a:lnTo>
-                  <a:lnTo>
-                    <a:pt x="1340870" y="584312"/>
-                  </a:lnTo>
-                  <a:lnTo>
-                    <a:pt x="1298452" y="539610"/>
-                  </a:lnTo>
-                  <a:lnTo>
-                    <a:pt x="1254536" y="496379"/>
-                  </a:lnTo>
-                  <a:lnTo>
-                    <a:pt x="1209172" y="454670"/>
-                  </a:lnTo>
-                  <a:lnTo>
-                    <a:pt x="1162413" y="414531"/>
-                  </a:lnTo>
-                  <a:lnTo>
-                    <a:pt x="1114314" y="376008"/>
-                  </a:lnTo>
-                  <a:lnTo>
-                    <a:pt x="1064930" y="339147"/>
-                  </a:lnTo>
-                  <a:lnTo>
-                    <a:pt x="1014319" y="303989"/>
-                  </a:lnTo>
-                  <a:lnTo>
-                    <a:pt x="962540" y="270577"/>
-                  </a:lnTo>
-                  <a:lnTo>
-                    <a:pt x="909652" y="238948"/>
-                  </a:lnTo>
-                  <a:lnTo>
-                    <a:pt x="855717" y="209140"/>
-                  </a:lnTo>
-                  <a:lnTo>
-                    <a:pt x="800797" y="181186"/>
-                  </a:lnTo>
-                  <a:lnTo>
-                    <a:pt x="744957" y="155121"/>
-                  </a:lnTo>
-                  <a:lnTo>
-                    <a:pt x="688262" y="130972"/>
-                  </a:lnTo>
-                  <a:lnTo>
-                    <a:pt x="630776" y="108770"/>
-                  </a:lnTo>
-                  <a:lnTo>
-                    <a:pt x="572568" y="88540"/>
-                  </a:lnTo>
-                  <a:lnTo>
-                    <a:pt x="513704" y="70304"/>
-                  </a:lnTo>
-                  <a:lnTo>
-                    <a:pt x="454252" y="54085"/>
-                  </a:lnTo>
-                  <a:lnTo>
-                    <a:pt x="394283" y="39901"/>
-                  </a:lnTo>
-                  <a:lnTo>
-                    <a:pt x="333865" y="27768"/>
-                  </a:lnTo>
-                  <a:lnTo>
-                    <a:pt x="273069" y="17701"/>
-                  </a:lnTo>
-                  <a:lnTo>
-                    <a:pt x="211965" y="9712"/>
-                  </a:lnTo>
-                  <a:lnTo>
-                    <a:pt x="150624" y="3809"/>
-                  </a:lnTo>
-                  <a:lnTo>
-                    <a:pt x="89118" y="0"/>
-                  </a:lnTo>
-                  <a:lnTo>
-                    <a:pt x="86324" y="62293"/>
-                  </a:lnTo>
-                  <a:lnTo>
-                    <a:pt x="83531" y="124586"/>
-                  </a:lnTo>
-                  <a:lnTo>
-                    <a:pt x="80737" y="186879"/>
-                  </a:lnTo>
-                  <a:lnTo>
-                    <a:pt x="77943" y="249172"/>
-                  </a:lnTo>
-                  <a:lnTo>
-                    <a:pt x="75150" y="311465"/>
-                  </a:lnTo>
-                  <a:lnTo>
-                    <a:pt x="72356" y="373758"/>
-                  </a:lnTo>
-                  <a:lnTo>
-                    <a:pt x="69563" y="436052"/>
-                  </a:lnTo>
-                  <a:lnTo>
-                    <a:pt x="66769" y="498345"/>
-                  </a:lnTo>
-                  <a:lnTo>
-                    <a:pt x="63975" y="560638"/>
-                  </a:lnTo>
-                  <a:lnTo>
-                    <a:pt x="61182" y="622931"/>
-                  </a:lnTo>
-                  <a:lnTo>
-                    <a:pt x="58388" y="685224"/>
-                  </a:lnTo>
-                  <a:lnTo>
-                    <a:pt x="55595" y="747517"/>
-                  </a:lnTo>
-                  <a:lnTo>
-                    <a:pt x="52801" y="809811"/>
-                  </a:lnTo>
-                  <a:lnTo>
-                    <a:pt x="50008" y="872104"/>
-                  </a:lnTo>
-                  <a:lnTo>
-                    <a:pt x="47214" y="934397"/>
-                  </a:lnTo>
-                  <a:lnTo>
-                    <a:pt x="44420" y="996690"/>
-                  </a:lnTo>
-                  <a:lnTo>
-                    <a:pt x="41627" y="1058983"/>
-                  </a:lnTo>
-                  <a:lnTo>
-                    <a:pt x="38833" y="1121276"/>
-                  </a:lnTo>
-                  <a:lnTo>
-                    <a:pt x="36040" y="1183570"/>
-                  </a:lnTo>
-                  <a:lnTo>
-                    <a:pt x="33246" y="1245863"/>
-                  </a:lnTo>
-                  <a:lnTo>
-                    <a:pt x="30452" y="1308156"/>
-                  </a:lnTo>
-                  <a:lnTo>
-                    <a:pt x="27659" y="1370449"/>
-                  </a:lnTo>
-                  <a:lnTo>
-                    <a:pt x="24865" y="1432742"/>
-                  </a:lnTo>
-                  <a:lnTo>
-                    <a:pt x="22072" y="1495035"/>
-                  </a:lnTo>
-                  <a:lnTo>
-                    <a:pt x="19278" y="1557329"/>
-                  </a:lnTo>
-                  <a:lnTo>
-                    <a:pt x="16484" y="1619622"/>
-                  </a:lnTo>
-                  <a:lnTo>
-                    <a:pt x="13691" y="1681915"/>
-                  </a:lnTo>
-                  <a:lnTo>
-                    <a:pt x="10897" y="1744208"/>
+                    <a:pt x="4313" y="1868598"/>
+                  </a:lnTo>
+                  <a:lnTo>
+                    <a:pt x="8626" y="1930804"/>
+                  </a:lnTo>
+                  <a:lnTo>
+                    <a:pt x="12939" y="1993011"/>
+                  </a:lnTo>
+                  <a:lnTo>
+                    <a:pt x="17253" y="2055217"/>
+                  </a:lnTo>
+                  <a:lnTo>
+                    <a:pt x="21566" y="2117424"/>
+                  </a:lnTo>
+                  <a:lnTo>
+                    <a:pt x="25879" y="2179630"/>
+                  </a:lnTo>
+                  <a:lnTo>
+                    <a:pt x="30192" y="2241836"/>
+                  </a:lnTo>
+                  <a:lnTo>
+                    <a:pt x="34506" y="2304043"/>
+                  </a:lnTo>
+                  <a:lnTo>
+                    <a:pt x="38819" y="2366249"/>
+                  </a:lnTo>
+                  <a:lnTo>
+                    <a:pt x="43132" y="2428456"/>
+                  </a:lnTo>
+                  <a:lnTo>
+                    <a:pt x="47445" y="2490662"/>
+                  </a:lnTo>
+                  <a:lnTo>
+                    <a:pt x="51759" y="2552868"/>
+                  </a:lnTo>
+                  <a:lnTo>
+                    <a:pt x="56072" y="2615075"/>
+                  </a:lnTo>
+                  <a:lnTo>
+                    <a:pt x="60385" y="2677281"/>
+                  </a:lnTo>
+                  <a:lnTo>
+                    <a:pt x="64698" y="2739488"/>
+                  </a:lnTo>
+                  <a:lnTo>
+                    <a:pt x="69012" y="2801694"/>
+                  </a:lnTo>
+                  <a:lnTo>
+                    <a:pt x="73325" y="2863901"/>
+                  </a:lnTo>
+                  <a:lnTo>
+                    <a:pt x="77638" y="2926107"/>
+                  </a:lnTo>
+                  <a:lnTo>
+                    <a:pt x="81952" y="2988313"/>
+                  </a:lnTo>
+                  <a:lnTo>
+                    <a:pt x="86265" y="3050520"/>
+                  </a:lnTo>
+                  <a:lnTo>
+                    <a:pt x="90578" y="3112726"/>
+                  </a:lnTo>
+                  <a:lnTo>
+                    <a:pt x="94891" y="3174933"/>
+                  </a:lnTo>
+                  <a:lnTo>
+                    <a:pt x="99205" y="3237139"/>
+                  </a:lnTo>
+                  <a:lnTo>
+                    <a:pt x="103518" y="3299345"/>
+                  </a:lnTo>
+                  <a:lnTo>
+                    <a:pt x="107831" y="3361552"/>
+                  </a:lnTo>
+                  <a:lnTo>
+                    <a:pt x="112144" y="3423758"/>
+                  </a:lnTo>
+                  <a:lnTo>
+                    <a:pt x="116458" y="3485965"/>
+                  </a:lnTo>
+                  <a:lnTo>
+                    <a:pt x="120771" y="3548171"/>
+                  </a:lnTo>
+                  <a:lnTo>
+                    <a:pt x="125084" y="3610378"/>
+                  </a:lnTo>
+                  <a:lnTo>
+                    <a:pt x="186340" y="3605082"/>
+                  </a:lnTo>
+                  <a:lnTo>
+                    <a:pt x="247380" y="3597708"/>
+                  </a:lnTo>
+                  <a:lnTo>
+                    <a:pt x="308135" y="3588263"/>
+                  </a:lnTo>
+                  <a:lnTo>
+                    <a:pt x="368533" y="3576757"/>
+                  </a:lnTo>
+                  <a:lnTo>
+                    <a:pt x="428505" y="3563205"/>
+                  </a:lnTo>
+                  <a:lnTo>
+                    <a:pt x="487981" y="3547623"/>
+                  </a:lnTo>
+                  <a:lnTo>
+                    <a:pt x="546894" y="3530027"/>
+                  </a:lnTo>
+                  <a:lnTo>
+                    <a:pt x="605174" y="3510438"/>
+                  </a:lnTo>
+                  <a:lnTo>
+                    <a:pt x="662755" y="3488880"/>
+                  </a:lnTo>
+                  <a:lnTo>
+                    <a:pt x="719570" y="3465376"/>
+                  </a:lnTo>
+                  <a:lnTo>
+                    <a:pt x="775552" y="3439955"/>
+                  </a:lnTo>
+                  <a:lnTo>
+                    <a:pt x="830638" y="3412645"/>
+                  </a:lnTo>
+                  <a:lnTo>
+                    <a:pt x="884764" y="3383478"/>
+                  </a:lnTo>
+                  <a:lnTo>
+                    <a:pt x="937867" y="3352489"/>
+                  </a:lnTo>
+                  <a:lnTo>
+                    <a:pt x="989886" y="3319711"/>
+                  </a:lnTo>
+                  <a:lnTo>
+                    <a:pt x="1040760" y="3285184"/>
+                  </a:lnTo>
+                  <a:lnTo>
+                    <a:pt x="1090432" y="3248948"/>
+                  </a:lnTo>
+                  <a:lnTo>
+                    <a:pt x="1138842" y="3211044"/>
+                  </a:lnTo>
+                  <a:lnTo>
+                    <a:pt x="1185936" y="3171516"/>
+                  </a:lnTo>
+                  <a:lnTo>
+                    <a:pt x="1231659" y="3130410"/>
+                  </a:lnTo>
+                  <a:lnTo>
+                    <a:pt x="1275959" y="3087774"/>
+                  </a:lnTo>
+                  <a:lnTo>
+                    <a:pt x="1318783" y="3043656"/>
+                  </a:lnTo>
+                  <a:lnTo>
+                    <a:pt x="1360082" y="2998107"/>
+                  </a:lnTo>
+                  <a:lnTo>
+                    <a:pt x="1399810" y="2951181"/>
+                  </a:lnTo>
+                  <a:lnTo>
+                    <a:pt x="1437919" y="2902932"/>
+                  </a:lnTo>
+                  <a:lnTo>
+                    <a:pt x="1474365" y="2853415"/>
+                  </a:lnTo>
+                  <a:lnTo>
+                    <a:pt x="1509108" y="2802687"/>
+                  </a:lnTo>
+                  <a:lnTo>
+                    <a:pt x="1542105" y="2750808"/>
+                  </a:lnTo>
+                  <a:lnTo>
+                    <a:pt x="1573320" y="2697837"/>
+                  </a:lnTo>
+                  <a:lnTo>
+                    <a:pt x="1602716" y="2643835"/>
+                  </a:lnTo>
+                  <a:lnTo>
+                    <a:pt x="1630259" y="2588865"/>
+                  </a:lnTo>
+                  <a:lnTo>
+                    <a:pt x="1655918" y="2532991"/>
+                  </a:lnTo>
+                  <a:lnTo>
+                    <a:pt x="1679662" y="2476277"/>
+                  </a:lnTo>
+                  <a:lnTo>
+                    <a:pt x="1701464" y="2418788"/>
+                  </a:lnTo>
+                  <a:lnTo>
+                    <a:pt x="1721300" y="2360591"/>
+                  </a:lnTo>
+                  <a:lnTo>
+                    <a:pt x="1739145" y="2301754"/>
+                  </a:lnTo>
+                  <a:lnTo>
+                    <a:pt x="1754980" y="2242344"/>
+                  </a:lnTo>
+                  <a:lnTo>
+                    <a:pt x="1768786" y="2182430"/>
+                  </a:lnTo>
+                  <a:lnTo>
+                    <a:pt x="1780548" y="2122081"/>
+                  </a:lnTo>
+                  <a:lnTo>
+                    <a:pt x="1790251" y="2061367"/>
+                  </a:lnTo>
+                  <a:lnTo>
+                    <a:pt x="1797884" y="2000358"/>
+                  </a:lnTo>
+                  <a:lnTo>
+                    <a:pt x="1803439" y="1939126"/>
+                  </a:lnTo>
+                  <a:lnTo>
+                    <a:pt x="1806909" y="1877740"/>
+                  </a:lnTo>
+                  <a:lnTo>
+                    <a:pt x="1808290" y="1816271"/>
+                  </a:lnTo>
+                  <a:lnTo>
+                    <a:pt x="1807581" y="1754791"/>
+                  </a:lnTo>
+                  <a:lnTo>
+                    <a:pt x="1804782" y="1693370"/>
+                  </a:lnTo>
+                  <a:lnTo>
+                    <a:pt x="1799896" y="1632081"/>
+                  </a:lnTo>
+                  <a:lnTo>
+                    <a:pt x="1792930" y="1570992"/>
+                  </a:lnTo>
+                  <a:lnTo>
+                    <a:pt x="1783891" y="1510176"/>
+                  </a:lnTo>
+                  <a:lnTo>
+                    <a:pt x="1772790" y="1449702"/>
+                  </a:lnTo>
+                  <a:lnTo>
+                    <a:pt x="1759639" y="1389641"/>
+                  </a:lnTo>
+                  <a:lnTo>
+                    <a:pt x="1744454" y="1330062"/>
+                  </a:lnTo>
+                  <a:lnTo>
+                    <a:pt x="1727253" y="1271033"/>
+                  </a:lnTo>
+                  <a:lnTo>
+                    <a:pt x="1708054" y="1212623"/>
+                  </a:lnTo>
+                  <a:lnTo>
+                    <a:pt x="1686881" y="1154899"/>
+                  </a:lnTo>
+                  <a:lnTo>
+                    <a:pt x="1663758" y="1097929"/>
+                  </a:lnTo>
+                  <a:lnTo>
+                    <a:pt x="1638712" y="1041777"/>
+                  </a:lnTo>
+                  <a:lnTo>
+                    <a:pt x="1611771" y="986510"/>
+                  </a:lnTo>
+                  <a:lnTo>
+                    <a:pt x="1582966" y="932190"/>
+                  </a:lnTo>
+                  <a:lnTo>
+                    <a:pt x="1552332" y="878881"/>
+                  </a:lnTo>
+                  <a:lnTo>
+                    <a:pt x="1519903" y="826645"/>
+                  </a:lnTo>
+                  <a:lnTo>
+                    <a:pt x="1485718" y="775540"/>
+                  </a:lnTo>
+                  <a:lnTo>
+                    <a:pt x="1449814" y="725628"/>
+                  </a:lnTo>
+                  <a:lnTo>
+                    <a:pt x="1412235" y="676965"/>
+                  </a:lnTo>
+                  <a:lnTo>
+                    <a:pt x="1373022" y="629608"/>
+                  </a:lnTo>
+                  <a:lnTo>
+                    <a:pt x="1332223" y="583611"/>
+                  </a:lnTo>
+                  <a:lnTo>
+                    <a:pt x="1289884" y="539028"/>
+                  </a:lnTo>
+                  <a:lnTo>
+                    <a:pt x="1246053" y="495909"/>
+                  </a:lnTo>
+                  <a:lnTo>
+                    <a:pt x="1200782" y="454306"/>
+                  </a:lnTo>
+                  <a:lnTo>
+                    <a:pt x="1154122" y="414266"/>
+                  </a:lnTo>
+                  <a:lnTo>
+                    <a:pt x="1106129" y="375836"/>
+                  </a:lnTo>
+                  <a:lnTo>
+                    <a:pt x="1056856" y="339059"/>
+                  </a:lnTo>
+                  <a:lnTo>
+                    <a:pt x="1006362" y="303978"/>
+                  </a:lnTo>
+                  <a:lnTo>
+                    <a:pt x="954705" y="270634"/>
+                  </a:lnTo>
+                  <a:lnTo>
+                    <a:pt x="901943" y="239066"/>
+                  </a:lnTo>
+                  <a:lnTo>
+                    <a:pt x="848140" y="209310"/>
+                  </a:lnTo>
+                  <a:lnTo>
+                    <a:pt x="793355" y="181400"/>
+                  </a:lnTo>
+                  <a:lnTo>
+                    <a:pt x="737654" y="155368"/>
+                  </a:lnTo>
+                  <a:lnTo>
+                    <a:pt x="681099" y="131245"/>
+                  </a:lnTo>
+                  <a:lnTo>
+                    <a:pt x="623757" y="109059"/>
+                  </a:lnTo>
+                  <a:lnTo>
+                    <a:pt x="565695" y="88835"/>
+                  </a:lnTo>
+                  <a:lnTo>
+                    <a:pt x="506978" y="70596"/>
+                  </a:lnTo>
+                  <a:lnTo>
+                    <a:pt x="447675" y="54364"/>
+                  </a:lnTo>
+                  <a:lnTo>
+                    <a:pt x="387855" y="40158"/>
+                  </a:lnTo>
+                  <a:lnTo>
+                    <a:pt x="327586" y="27994"/>
+                  </a:lnTo>
+                  <a:lnTo>
+                    <a:pt x="266938" y="17885"/>
+                  </a:lnTo>
+                  <a:lnTo>
+                    <a:pt x="205982" y="9844"/>
+                  </a:lnTo>
+                  <a:lnTo>
+                    <a:pt x="144788" y="3880"/>
+                  </a:lnTo>
+                  <a:lnTo>
+                    <a:pt x="83426" y="0"/>
+                  </a:lnTo>
+                  <a:lnTo>
+                    <a:pt x="80549" y="62289"/>
+                  </a:lnTo>
+                  <a:lnTo>
+                    <a:pt x="77673" y="124578"/>
+                  </a:lnTo>
+                  <a:lnTo>
+                    <a:pt x="74796" y="186868"/>
+                  </a:lnTo>
+                  <a:lnTo>
+                    <a:pt x="71919" y="249157"/>
+                  </a:lnTo>
+                  <a:lnTo>
+                    <a:pt x="69042" y="311446"/>
+                  </a:lnTo>
+                  <a:lnTo>
+                    <a:pt x="66166" y="373736"/>
+                  </a:lnTo>
+                  <a:lnTo>
+                    <a:pt x="63289" y="436025"/>
+                  </a:lnTo>
+                  <a:lnTo>
+                    <a:pt x="60412" y="498315"/>
+                  </a:lnTo>
+                  <a:lnTo>
+                    <a:pt x="57535" y="560604"/>
+                  </a:lnTo>
+                  <a:lnTo>
+                    <a:pt x="54658" y="622893"/>
+                  </a:lnTo>
+                  <a:lnTo>
+                    <a:pt x="51782" y="685183"/>
+                  </a:lnTo>
+                  <a:lnTo>
+                    <a:pt x="48905" y="747472"/>
+                  </a:lnTo>
+                  <a:lnTo>
+                    <a:pt x="46028" y="809761"/>
+                  </a:lnTo>
+                  <a:lnTo>
+                    <a:pt x="43151" y="872051"/>
+                  </a:lnTo>
+                  <a:lnTo>
+                    <a:pt x="40274" y="934340"/>
+                  </a:lnTo>
+                  <a:lnTo>
+                    <a:pt x="37398" y="996630"/>
+                  </a:lnTo>
+                  <a:lnTo>
+                    <a:pt x="34521" y="1058919"/>
+                  </a:lnTo>
+                  <a:lnTo>
+                    <a:pt x="31644" y="1121208"/>
+                  </a:lnTo>
+                  <a:lnTo>
+                    <a:pt x="28767" y="1183498"/>
+                  </a:lnTo>
+                  <a:lnTo>
+                    <a:pt x="25891" y="1245787"/>
+                  </a:lnTo>
+                  <a:lnTo>
+                    <a:pt x="23014" y="1308076"/>
+                  </a:lnTo>
+                  <a:lnTo>
+                    <a:pt x="20137" y="1370366"/>
+                  </a:lnTo>
+                  <a:lnTo>
+                    <a:pt x="17260" y="1432655"/>
+                  </a:lnTo>
+                  <a:lnTo>
+                    <a:pt x="14383" y="1494945"/>
+                  </a:lnTo>
+                  <a:lnTo>
+                    <a:pt x="11507" y="1557234"/>
+                  </a:lnTo>
+                  <a:lnTo>
+                    <a:pt x="8630" y="1619523"/>
+                  </a:lnTo>
+                  <a:lnTo>
+                    <a:pt x="5753" y="1681813"/>
+                  </a:lnTo>
+                  <a:lnTo>
+                    <a:pt x="2876" y="1744102"/>
                   </a:lnTo>
                   <a:close/>
                 </a:path>
@@ -4078,462 +4072,468 @@
           </p:nvSpPr>
           <p:spPr>
             <a:xfrm>
-              <a:off x="3121930" y="1973107"/>
-              <a:ext cx="1808312" cy="3616616"/>
+              <a:off x="3121926" y="1973107"/>
+              <a:ext cx="1933401" cy="3616634"/>
             </a:xfrm>
             <a:custGeom>
               <a:avLst/>
               <a:pathLst>
-                <a:path w="1808312" h="3616616">
+                <a:path w="1933401" h="3616634">
                   <a:moveTo>
-                    <a:pt x="1808312" y="1808317"/>
+                    <a:pt x="1808317" y="1808317"/>
                   </a:moveTo>
                   <a:lnTo>
-                    <a:pt x="1808312" y="1745961"/>
-                  </a:lnTo>
-                  <a:lnTo>
-                    <a:pt x="1808312" y="1683605"/>
-                  </a:lnTo>
-                  <a:lnTo>
-                    <a:pt x="1808312" y="1621250"/>
-                  </a:lnTo>
-                  <a:lnTo>
-                    <a:pt x="1808312" y="1558894"/>
-                  </a:lnTo>
-                  <a:lnTo>
-                    <a:pt x="1808312" y="1496538"/>
-                  </a:lnTo>
-                  <a:lnTo>
-                    <a:pt x="1808312" y="1434182"/>
-                  </a:lnTo>
-                  <a:lnTo>
-                    <a:pt x="1808312" y="1371827"/>
-                  </a:lnTo>
-                  <a:lnTo>
-                    <a:pt x="1808312" y="1309471"/>
-                  </a:lnTo>
-                  <a:lnTo>
-                    <a:pt x="1808312" y="1247115"/>
-                  </a:lnTo>
-                  <a:lnTo>
-                    <a:pt x="1808312" y="1184759"/>
-                  </a:lnTo>
-                  <a:lnTo>
-                    <a:pt x="1808312" y="1122403"/>
-                  </a:lnTo>
-                  <a:lnTo>
-                    <a:pt x="1808312" y="1060048"/>
-                  </a:lnTo>
-                  <a:lnTo>
-                    <a:pt x="1808312" y="997692"/>
-                  </a:lnTo>
-                  <a:lnTo>
-                    <a:pt x="1808312" y="935336"/>
-                  </a:lnTo>
-                  <a:lnTo>
-                    <a:pt x="1808312" y="872980"/>
-                  </a:lnTo>
-                  <a:lnTo>
-                    <a:pt x="1808312" y="810625"/>
-                  </a:lnTo>
-                  <a:lnTo>
-                    <a:pt x="1808312" y="748269"/>
-                  </a:lnTo>
-                  <a:lnTo>
-                    <a:pt x="1808312" y="685913"/>
-                  </a:lnTo>
-                  <a:lnTo>
-                    <a:pt x="1808312" y="623557"/>
-                  </a:lnTo>
-                  <a:lnTo>
-                    <a:pt x="1808312" y="561201"/>
-                  </a:lnTo>
-                  <a:lnTo>
-                    <a:pt x="1808312" y="498846"/>
-                  </a:lnTo>
-                  <a:lnTo>
-                    <a:pt x="1808312" y="436490"/>
-                  </a:lnTo>
-                  <a:lnTo>
-                    <a:pt x="1808312" y="374134"/>
-                  </a:lnTo>
-                  <a:lnTo>
-                    <a:pt x="1808312" y="311778"/>
-                  </a:lnTo>
-                  <a:lnTo>
-                    <a:pt x="1808312" y="249423"/>
-                  </a:lnTo>
-                  <a:lnTo>
-                    <a:pt x="1808312" y="187067"/>
-                  </a:lnTo>
-                  <a:lnTo>
-                    <a:pt x="1808312" y="124711"/>
-                  </a:lnTo>
-                  <a:lnTo>
-                    <a:pt x="1808312" y="62355"/>
-                  </a:lnTo>
-                  <a:lnTo>
-                    <a:pt x="1808312" y="0"/>
-                  </a:lnTo>
-                  <a:lnTo>
-                    <a:pt x="1746662" y="1051"/>
-                  </a:lnTo>
-                  <a:lnTo>
-                    <a:pt x="1685084" y="4203"/>
-                  </a:lnTo>
-                  <a:lnTo>
-                    <a:pt x="1623649" y="9453"/>
-                  </a:lnTo>
-                  <a:lnTo>
-                    <a:pt x="1562429" y="16794"/>
-                  </a:lnTo>
-                  <a:lnTo>
-                    <a:pt x="1501495" y="26219"/>
-                  </a:lnTo>
-                  <a:lnTo>
-                    <a:pt x="1440917" y="37715"/>
-                  </a:lnTo>
-                  <a:lnTo>
-                    <a:pt x="1380766" y="51269"/>
-                  </a:lnTo>
-                  <a:lnTo>
-                    <a:pt x="1321113" y="66867"/>
-                  </a:lnTo>
-                  <a:lnTo>
-                    <a:pt x="1262026" y="84489"/>
-                  </a:lnTo>
-                  <a:lnTo>
-                    <a:pt x="1203574" y="104115"/>
-                  </a:lnTo>
-                  <a:lnTo>
-                    <a:pt x="1145825" y="125723"/>
-                  </a:lnTo>
-                  <a:lnTo>
-                    <a:pt x="1088846" y="149287"/>
-                  </a:lnTo>
-                  <a:lnTo>
-                    <a:pt x="1032704" y="174780"/>
-                  </a:lnTo>
-                  <a:lnTo>
-                    <a:pt x="977464" y="202172"/>
-                  </a:lnTo>
-                  <a:lnTo>
-                    <a:pt x="923190" y="231431"/>
-                  </a:lnTo>
-                  <a:lnTo>
-                    <a:pt x="869944" y="262524"/>
-                  </a:lnTo>
-                  <a:lnTo>
-                    <a:pt x="817790" y="295413"/>
-                  </a:lnTo>
-                  <a:lnTo>
-                    <a:pt x="766787" y="330062"/>
-                  </a:lnTo>
-                  <a:lnTo>
-                    <a:pt x="716995" y="366430"/>
-                  </a:lnTo>
-                  <a:lnTo>
-                    <a:pt x="668472" y="404474"/>
-                  </a:lnTo>
-                  <a:lnTo>
-                    <a:pt x="621274" y="444150"/>
-                  </a:lnTo>
-                  <a:lnTo>
-                    <a:pt x="575457" y="485412"/>
-                  </a:lnTo>
-                  <a:lnTo>
-                    <a:pt x="531072" y="528212"/>
-                  </a:lnTo>
-                  <a:lnTo>
-                    <a:pt x="488173" y="572500"/>
-                  </a:lnTo>
-                  <a:lnTo>
-                    <a:pt x="446808" y="618225"/>
-                  </a:lnTo>
-                  <a:lnTo>
-                    <a:pt x="407027" y="665334"/>
-                  </a:lnTo>
-                  <a:lnTo>
-                    <a:pt x="368874" y="713772"/>
-                  </a:lnTo>
-                  <a:lnTo>
-                    <a:pt x="332395" y="763482"/>
-                  </a:lnTo>
-                  <a:lnTo>
-                    <a:pt x="297632" y="814407"/>
-                  </a:lnTo>
-                  <a:lnTo>
-                    <a:pt x="264626" y="866487"/>
-                  </a:lnTo>
-                  <a:lnTo>
-                    <a:pt x="233414" y="919663"/>
-                  </a:lnTo>
-                  <a:lnTo>
-                    <a:pt x="204033" y="973872"/>
-                  </a:lnTo>
-                  <a:lnTo>
-                    <a:pt x="176517" y="1029050"/>
-                  </a:lnTo>
-                  <a:lnTo>
-                    <a:pt x="150899" y="1085135"/>
-                  </a:lnTo>
-                  <a:lnTo>
-                    <a:pt x="127207" y="1142061"/>
-                  </a:lnTo>
-                  <a:lnTo>
-                    <a:pt x="105470" y="1199761"/>
-                  </a:lnTo>
-                  <a:lnTo>
-                    <a:pt x="85713" y="1258169"/>
-                  </a:lnTo>
-                  <a:lnTo>
-                    <a:pt x="67958" y="1317216"/>
-                  </a:lnTo>
-                  <a:lnTo>
-                    <a:pt x="52227" y="1376835"/>
-                  </a:lnTo>
-                  <a:lnTo>
-                    <a:pt x="38538" y="1436955"/>
-                  </a:lnTo>
-                  <a:lnTo>
-                    <a:pt x="26906" y="1497507"/>
-                  </a:lnTo>
-                  <a:lnTo>
-                    <a:pt x="17345" y="1558420"/>
-                  </a:lnTo>
-                  <a:lnTo>
-                    <a:pt x="9867" y="1619623"/>
-                  </a:lnTo>
-                  <a:lnTo>
-                    <a:pt x="4479" y="1681046"/>
-                  </a:lnTo>
-                  <a:lnTo>
-                    <a:pt x="1189" y="1742617"/>
-                  </a:lnTo>
-                  <a:lnTo>
-                    <a:pt x="0" y="1804265"/>
-                  </a:lnTo>
-                  <a:lnTo>
-                    <a:pt x="913" y="1865917"/>
-                  </a:lnTo>
-                  <a:lnTo>
-                    <a:pt x="3927" y="1927502"/>
-                  </a:lnTo>
-                  <a:lnTo>
-                    <a:pt x="9039" y="1988949"/>
-                  </a:lnTo>
-                  <a:lnTo>
-                    <a:pt x="16243" y="2050185"/>
-                  </a:lnTo>
-                  <a:lnTo>
-                    <a:pt x="25531" y="2111141"/>
-                  </a:lnTo>
-                  <a:lnTo>
-                    <a:pt x="36891" y="2171744"/>
-                  </a:lnTo>
-                  <a:lnTo>
-                    <a:pt x="50311" y="2231925"/>
-                  </a:lnTo>
-                  <a:lnTo>
-                    <a:pt x="65775" y="2291613"/>
-                  </a:lnTo>
-                  <a:lnTo>
-                    <a:pt x="83265" y="2350739"/>
-                  </a:lnTo>
-                  <a:lnTo>
-                    <a:pt x="102760" y="2409235"/>
-                  </a:lnTo>
-                  <a:lnTo>
-                    <a:pt x="124238" y="2467032"/>
-                  </a:lnTo>
-                  <a:lnTo>
-                    <a:pt x="147674" y="2524064"/>
-                  </a:lnTo>
-                  <a:lnTo>
-                    <a:pt x="173041" y="2580263"/>
-                  </a:lnTo>
-                  <a:lnTo>
-                    <a:pt x="200309" y="2635564"/>
-                  </a:lnTo>
-                  <a:lnTo>
-                    <a:pt x="229447" y="2689904"/>
-                  </a:lnTo>
-                  <a:lnTo>
-                    <a:pt x="260420" y="2743219"/>
-                  </a:lnTo>
-                  <a:lnTo>
-                    <a:pt x="293193" y="2795447"/>
-                  </a:lnTo>
-                  <a:lnTo>
-                    <a:pt x="327728" y="2846527"/>
-                  </a:lnTo>
-                  <a:lnTo>
-                    <a:pt x="363983" y="2896400"/>
-                  </a:lnTo>
-                  <a:lnTo>
-                    <a:pt x="401918" y="2945009"/>
-                  </a:lnTo>
-                  <a:lnTo>
-                    <a:pt x="441488" y="2992295"/>
-                  </a:lnTo>
-                  <a:lnTo>
-                    <a:pt x="482648" y="3038205"/>
-                  </a:lnTo>
-                  <a:lnTo>
-                    <a:pt x="525348" y="3082685"/>
-                  </a:lnTo>
-                  <a:lnTo>
-                    <a:pt x="569540" y="3125684"/>
-                  </a:lnTo>
-                  <a:lnTo>
-                    <a:pt x="615173" y="3167151"/>
-                  </a:lnTo>
-                  <a:lnTo>
-                    <a:pt x="662192" y="3207038"/>
-                  </a:lnTo>
-                  <a:lnTo>
-                    <a:pt x="710544" y="3245299"/>
-                  </a:lnTo>
-                  <a:lnTo>
-                    <a:pt x="760173" y="3281889"/>
-                  </a:lnTo>
-                  <a:lnTo>
-                    <a:pt x="811020" y="3316766"/>
-                  </a:lnTo>
-                  <a:lnTo>
-                    <a:pt x="863026" y="3349889"/>
-                  </a:lnTo>
-                  <a:lnTo>
-                    <a:pt x="916131" y="3381220"/>
-                  </a:lnTo>
-                  <a:lnTo>
-                    <a:pt x="970274" y="3410723"/>
-                  </a:lnTo>
-                  <a:lnTo>
-                    <a:pt x="1025391" y="3438362"/>
-                  </a:lnTo>
-                  <a:lnTo>
-                    <a:pt x="1081419" y="3464106"/>
-                  </a:lnTo>
-                  <a:lnTo>
-                    <a:pt x="1138291" y="3487925"/>
-                  </a:lnTo>
-                  <a:lnTo>
-                    <a:pt x="1195942" y="3509791"/>
-                  </a:lnTo>
-                  <a:lnTo>
-                    <a:pt x="1254306" y="3529679"/>
-                  </a:lnTo>
-                  <a:lnTo>
-                    <a:pt x="1313313" y="3547566"/>
-                  </a:lnTo>
-                  <a:lnTo>
-                    <a:pt x="1372896" y="3563431"/>
-                  </a:lnTo>
-                  <a:lnTo>
-                    <a:pt x="1432985" y="3577255"/>
-                  </a:lnTo>
-                  <a:lnTo>
-                    <a:pt x="1493511" y="3589022"/>
-                  </a:lnTo>
-                  <a:lnTo>
-                    <a:pt x="1554403" y="3598720"/>
-                  </a:lnTo>
-                  <a:lnTo>
-                    <a:pt x="1615589" y="3606335"/>
-                  </a:lnTo>
-                  <a:lnTo>
-                    <a:pt x="1677000" y="3611860"/>
-                  </a:lnTo>
-                  <a:lnTo>
-                    <a:pt x="1738564" y="3615289"/>
-                  </a:lnTo>
-                  <a:lnTo>
-                    <a:pt x="1800208" y="3616616"/>
-                  </a:lnTo>
-                  <a:lnTo>
-                    <a:pt x="1800488" y="3554261"/>
-                  </a:lnTo>
-                  <a:lnTo>
-                    <a:pt x="1800767" y="3491906"/>
-                  </a:lnTo>
-                  <a:lnTo>
-                    <a:pt x="1801047" y="3429551"/>
-                  </a:lnTo>
-                  <a:lnTo>
-                    <a:pt x="1801326" y="3367196"/>
-                  </a:lnTo>
-                  <a:lnTo>
-                    <a:pt x="1801606" y="3304840"/>
-                  </a:lnTo>
-                  <a:lnTo>
-                    <a:pt x="1801885" y="3242485"/>
-                  </a:lnTo>
-                  <a:lnTo>
-                    <a:pt x="1802164" y="3180130"/>
-                  </a:lnTo>
-                  <a:lnTo>
-                    <a:pt x="1802444" y="3117775"/>
-                  </a:lnTo>
-                  <a:lnTo>
-                    <a:pt x="1802723" y="3055420"/>
-                  </a:lnTo>
-                  <a:lnTo>
-                    <a:pt x="1803003" y="2993065"/>
-                  </a:lnTo>
-                  <a:lnTo>
-                    <a:pt x="1803282" y="2930710"/>
-                  </a:lnTo>
-                  <a:lnTo>
-                    <a:pt x="1803562" y="2868354"/>
-                  </a:lnTo>
-                  <a:lnTo>
-                    <a:pt x="1803841" y="2805999"/>
-                  </a:lnTo>
-                  <a:lnTo>
-                    <a:pt x="1804121" y="2743644"/>
-                  </a:lnTo>
-                  <a:lnTo>
-                    <a:pt x="1804400" y="2681289"/>
-                  </a:lnTo>
-                  <a:lnTo>
-                    <a:pt x="1804680" y="2618934"/>
-                  </a:lnTo>
-                  <a:lnTo>
-                    <a:pt x="1804959" y="2556579"/>
-                  </a:lnTo>
-                  <a:lnTo>
-                    <a:pt x="1805238" y="2494224"/>
-                  </a:lnTo>
-                  <a:lnTo>
-                    <a:pt x="1805518" y="2431868"/>
-                  </a:lnTo>
-                  <a:lnTo>
-                    <a:pt x="1805797" y="2369513"/>
-                  </a:lnTo>
-                  <a:lnTo>
-                    <a:pt x="1806077" y="2307158"/>
-                  </a:lnTo>
-                  <a:lnTo>
-                    <a:pt x="1806356" y="2244803"/>
-                  </a:lnTo>
-                  <a:lnTo>
-                    <a:pt x="1806636" y="2182448"/>
-                  </a:lnTo>
-                  <a:lnTo>
-                    <a:pt x="1806915" y="2120093"/>
-                  </a:lnTo>
-                  <a:lnTo>
-                    <a:pt x="1807195" y="2057738"/>
-                  </a:lnTo>
-                  <a:lnTo>
-                    <a:pt x="1807474" y="1995382"/>
-                  </a:lnTo>
-                  <a:lnTo>
-                    <a:pt x="1807753" y="1933027"/>
-                  </a:lnTo>
-                  <a:lnTo>
-                    <a:pt x="1808033" y="1870672"/>
+                    <a:pt x="1808317" y="1745961"/>
+                  </a:lnTo>
+                  <a:lnTo>
+                    <a:pt x="1808317" y="1683605"/>
+                  </a:lnTo>
+                  <a:lnTo>
+                    <a:pt x="1808317" y="1621250"/>
+                  </a:lnTo>
+                  <a:lnTo>
+                    <a:pt x="1808317" y="1558894"/>
+                  </a:lnTo>
+                  <a:lnTo>
+                    <a:pt x="1808317" y="1496538"/>
+                  </a:lnTo>
+                  <a:lnTo>
+                    <a:pt x="1808317" y="1434182"/>
+                  </a:lnTo>
+                  <a:lnTo>
+                    <a:pt x="1808317" y="1371827"/>
+                  </a:lnTo>
+                  <a:lnTo>
+                    <a:pt x="1808317" y="1309471"/>
+                  </a:lnTo>
+                  <a:lnTo>
+                    <a:pt x="1808317" y="1247115"/>
+                  </a:lnTo>
+                  <a:lnTo>
+                    <a:pt x="1808317" y="1184759"/>
+                  </a:lnTo>
+                  <a:lnTo>
+                    <a:pt x="1808317" y="1122403"/>
+                  </a:lnTo>
+                  <a:lnTo>
+                    <a:pt x="1808317" y="1060048"/>
+                  </a:lnTo>
+                  <a:lnTo>
+                    <a:pt x="1808317" y="997692"/>
+                  </a:lnTo>
+                  <a:lnTo>
+                    <a:pt x="1808317" y="935336"/>
+                  </a:lnTo>
+                  <a:lnTo>
+                    <a:pt x="1808317" y="872980"/>
+                  </a:lnTo>
+                  <a:lnTo>
+                    <a:pt x="1808317" y="810625"/>
+                  </a:lnTo>
+                  <a:lnTo>
+                    <a:pt x="1808317" y="748269"/>
+                  </a:lnTo>
+                  <a:lnTo>
+                    <a:pt x="1808317" y="685913"/>
+                  </a:lnTo>
+                  <a:lnTo>
+                    <a:pt x="1808317" y="623557"/>
+                  </a:lnTo>
+                  <a:lnTo>
+                    <a:pt x="1808317" y="561201"/>
+                  </a:lnTo>
+                  <a:lnTo>
+                    <a:pt x="1808317" y="498846"/>
+                  </a:lnTo>
+                  <a:lnTo>
+                    <a:pt x="1808317" y="436490"/>
+                  </a:lnTo>
+                  <a:lnTo>
+                    <a:pt x="1808317" y="374134"/>
+                  </a:lnTo>
+                  <a:lnTo>
+                    <a:pt x="1808317" y="311778"/>
+                  </a:lnTo>
+                  <a:lnTo>
+                    <a:pt x="1808317" y="249423"/>
+                  </a:lnTo>
+                  <a:lnTo>
+                    <a:pt x="1808317" y="187067"/>
+                  </a:lnTo>
+                  <a:lnTo>
+                    <a:pt x="1808317" y="124711"/>
+                  </a:lnTo>
+                  <a:lnTo>
+                    <a:pt x="1808317" y="62355"/>
+                  </a:lnTo>
+                  <a:lnTo>
+                    <a:pt x="1808317" y="0"/>
+                  </a:lnTo>
+                  <a:lnTo>
+                    <a:pt x="1746561" y="1054"/>
+                  </a:lnTo>
+                  <a:lnTo>
+                    <a:pt x="1684877" y="4218"/>
+                  </a:lnTo>
+                  <a:lnTo>
+                    <a:pt x="1623337" y="9486"/>
+                  </a:lnTo>
+                  <a:lnTo>
+                    <a:pt x="1562013" y="16852"/>
+                  </a:lnTo>
+                  <a:lnTo>
+                    <a:pt x="1500977" y="26309"/>
+                  </a:lnTo>
+                  <a:lnTo>
+                    <a:pt x="1440298" y="37844"/>
+                  </a:lnTo>
+                  <a:lnTo>
+                    <a:pt x="1380050" y="51445"/>
+                  </a:lnTo>
+                  <a:lnTo>
+                    <a:pt x="1320300" y="67096"/>
+                  </a:lnTo>
+                  <a:lnTo>
+                    <a:pt x="1261121" y="84777"/>
+                  </a:lnTo>
+                  <a:lnTo>
+                    <a:pt x="1202579" y="104470"/>
+                  </a:lnTo>
+                  <a:lnTo>
+                    <a:pt x="1144744" y="126151"/>
+                  </a:lnTo>
+                  <a:lnTo>
+                    <a:pt x="1087684" y="149793"/>
+                  </a:lnTo>
+                  <a:lnTo>
+                    <a:pt x="1031464" y="175371"/>
+                  </a:lnTo>
+                  <a:lnTo>
+                    <a:pt x="976150" y="202854"/>
+                  </a:lnTo>
+                  <a:lnTo>
+                    <a:pt x="921808" y="232210"/>
+                  </a:lnTo>
+                  <a:lnTo>
+                    <a:pt x="868499" y="263404"/>
+                  </a:lnTo>
+                  <a:lnTo>
+                    <a:pt x="816287" y="296401"/>
+                  </a:lnTo>
+                  <a:lnTo>
+                    <a:pt x="765232" y="331162"/>
+                  </a:lnTo>
+                  <a:lnTo>
+                    <a:pt x="715394" y="367646"/>
+                  </a:lnTo>
+                  <a:lnTo>
+                    <a:pt x="666831" y="405811"/>
+                  </a:lnTo>
+                  <a:lnTo>
+                    <a:pt x="619600" y="445612"/>
+                  </a:lnTo>
+                  <a:lnTo>
+                    <a:pt x="573756" y="487003"/>
+                  </a:lnTo>
+                  <a:lnTo>
+                    <a:pt x="529352" y="529935"/>
+                  </a:lnTo>
+                  <a:lnTo>
+                    <a:pt x="486440" y="574359"/>
+                  </a:lnTo>
+                  <a:lnTo>
+                    <a:pt x="445070" y="620222"/>
+                  </a:lnTo>
+                  <a:lnTo>
+                    <a:pt x="405290" y="667471"/>
+                  </a:lnTo>
+                  <a:lnTo>
+                    <a:pt x="367148" y="716051"/>
+                  </a:lnTo>
+                  <a:lnTo>
+                    <a:pt x="330687" y="765906"/>
+                  </a:lnTo>
+                  <a:lnTo>
+                    <a:pt x="295949" y="816976"/>
+                  </a:lnTo>
+                  <a:lnTo>
+                    <a:pt x="262976" y="869204"/>
+                  </a:lnTo>
+                  <a:lnTo>
+                    <a:pt x="231806" y="922526"/>
+                  </a:lnTo>
+                  <a:lnTo>
+                    <a:pt x="202475" y="976883"/>
+                  </a:lnTo>
+                  <a:lnTo>
+                    <a:pt x="175017" y="1032209"/>
+                  </a:lnTo>
+                  <a:lnTo>
+                    <a:pt x="149465" y="1088440"/>
+                  </a:lnTo>
+                  <a:lnTo>
+                    <a:pt x="125848" y="1145512"/>
+                  </a:lnTo>
+                  <a:lnTo>
+                    <a:pt x="104194" y="1203356"/>
+                  </a:lnTo>
+                  <a:lnTo>
+                    <a:pt x="84528" y="1261907"/>
+                  </a:lnTo>
+                  <a:lnTo>
+                    <a:pt x="66873" y="1321095"/>
+                  </a:lnTo>
+                  <a:lnTo>
+                    <a:pt x="51250" y="1380851"/>
+                  </a:lnTo>
+                  <a:lnTo>
+                    <a:pt x="37676" y="1441106"/>
+                  </a:lnTo>
+                  <a:lnTo>
+                    <a:pt x="26168" y="1501789"/>
+                  </a:lnTo>
+                  <a:lnTo>
+                    <a:pt x="16740" y="1562830"/>
+                  </a:lnTo>
+                  <a:lnTo>
+                    <a:pt x="9401" y="1624158"/>
+                  </a:lnTo>
+                  <a:lnTo>
+                    <a:pt x="4161" y="1685700"/>
+                  </a:lnTo>
+                  <a:lnTo>
+                    <a:pt x="1026" y="1747385"/>
+                  </a:lnTo>
+                  <a:lnTo>
+                    <a:pt x="0" y="1809141"/>
+                  </a:lnTo>
+                  <a:lnTo>
+                    <a:pt x="1082" y="1870897"/>
+                  </a:lnTo>
+                  <a:lnTo>
+                    <a:pt x="4274" y="1932579"/>
+                  </a:lnTo>
+                  <a:lnTo>
+                    <a:pt x="9570" y="1994117"/>
+                  </a:lnTo>
+                  <a:lnTo>
+                    <a:pt x="16964" y="2055437"/>
+                  </a:lnTo>
+                  <a:lnTo>
+                    <a:pt x="26449" y="2116470"/>
+                  </a:lnTo>
+                  <a:lnTo>
+                    <a:pt x="38012" y="2177142"/>
+                  </a:lnTo>
+                  <a:lnTo>
+                    <a:pt x="51640" y="2237385"/>
+                  </a:lnTo>
+                  <a:lnTo>
+                    <a:pt x="67318" y="2297127"/>
+                  </a:lnTo>
+                  <a:lnTo>
+                    <a:pt x="85027" y="2356299"/>
+                  </a:lnTo>
+                  <a:lnTo>
+                    <a:pt x="104746" y="2414831"/>
+                  </a:lnTo>
+                  <a:lnTo>
+                    <a:pt x="126453" y="2472656"/>
+                  </a:lnTo>
+                  <a:lnTo>
+                    <a:pt x="150122" y="2529706"/>
+                  </a:lnTo>
+                  <a:lnTo>
+                    <a:pt x="175725" y="2585914"/>
+                  </a:lnTo>
+                  <a:lnTo>
+                    <a:pt x="203233" y="2641215"/>
+                  </a:lnTo>
+                  <a:lnTo>
+                    <a:pt x="232614" y="2695545"/>
+                  </a:lnTo>
+                  <a:lnTo>
+                    <a:pt x="263833" y="2748839"/>
+                  </a:lnTo>
+                  <a:lnTo>
+                    <a:pt x="296854" y="2801036"/>
+                  </a:lnTo>
+                  <a:lnTo>
+                    <a:pt x="331638" y="2852075"/>
+                  </a:lnTo>
+                  <a:lnTo>
+                    <a:pt x="368144" y="2901896"/>
+                  </a:lnTo>
+                  <a:lnTo>
+                    <a:pt x="406331" y="2950442"/>
+                  </a:lnTo>
+                  <a:lnTo>
+                    <a:pt x="446154" y="2997655"/>
+                  </a:lnTo>
+                  <a:lnTo>
+                    <a:pt x="487565" y="3043480"/>
+                  </a:lnTo>
+                  <a:lnTo>
+                    <a:pt x="530518" y="3087865"/>
+                  </a:lnTo>
+                  <a:lnTo>
+                    <a:pt x="574961" y="3130756"/>
+                  </a:lnTo>
+                  <a:lnTo>
+                    <a:pt x="620843" y="3172105"/>
+                  </a:lnTo>
+                  <a:lnTo>
+                    <a:pt x="668111" y="3211863"/>
+                  </a:lnTo>
+                  <a:lnTo>
+                    <a:pt x="716708" y="3249984"/>
+                  </a:lnTo>
+                  <a:lnTo>
+                    <a:pt x="766579" y="3286422"/>
+                  </a:lnTo>
+                  <a:lnTo>
+                    <a:pt x="817666" y="3321136"/>
+                  </a:lnTo>
+                  <a:lnTo>
+                    <a:pt x="869908" y="3354086"/>
+                  </a:lnTo>
+                  <a:lnTo>
+                    <a:pt x="923245" y="3385232"/>
+                  </a:lnTo>
+                  <a:lnTo>
+                    <a:pt x="977615" y="3414538"/>
+                  </a:lnTo>
+                  <a:lnTo>
+                    <a:pt x="1032953" y="3441970"/>
+                  </a:lnTo>
+                  <a:lnTo>
+                    <a:pt x="1089196" y="3467497"/>
+                  </a:lnTo>
+                  <a:lnTo>
+                    <a:pt x="1146279" y="3491088"/>
+                  </a:lnTo>
+                  <a:lnTo>
+                    <a:pt x="1204133" y="3512715"/>
+                  </a:lnTo>
+                  <a:lnTo>
+                    <a:pt x="1262692" y="3532355"/>
+                  </a:lnTo>
+                  <a:lnTo>
+                    <a:pt x="1321888" y="3549983"/>
+                  </a:lnTo>
+                  <a:lnTo>
+                    <a:pt x="1381652" y="3565579"/>
+                  </a:lnTo>
+                  <a:lnTo>
+                    <a:pt x="1441913" y="3579125"/>
+                  </a:lnTo>
+                  <a:lnTo>
+                    <a:pt x="1502602" y="3590605"/>
+                  </a:lnTo>
+                  <a:lnTo>
+                    <a:pt x="1563647" y="3600006"/>
+                  </a:lnTo>
+                  <a:lnTo>
+                    <a:pt x="1624977" y="3607316"/>
+                  </a:lnTo>
+                  <a:lnTo>
+                    <a:pt x="1686522" y="3612528"/>
+                  </a:lnTo>
+                  <a:lnTo>
+                    <a:pt x="1748209" y="3615635"/>
+                  </a:lnTo>
+                  <a:lnTo>
+                    <a:pt x="1809966" y="3616634"/>
+                  </a:lnTo>
+                  <a:lnTo>
+                    <a:pt x="1871720" y="3615522"/>
+                  </a:lnTo>
+                  <a:lnTo>
+                    <a:pt x="1933401" y="3612303"/>
+                  </a:lnTo>
+                  <a:lnTo>
+                    <a:pt x="1929088" y="3550097"/>
+                  </a:lnTo>
+                  <a:lnTo>
+                    <a:pt x="1924775" y="3487890"/>
+                  </a:lnTo>
+                  <a:lnTo>
+                    <a:pt x="1920462" y="3425684"/>
+                  </a:lnTo>
+                  <a:lnTo>
+                    <a:pt x="1916148" y="3363477"/>
+                  </a:lnTo>
+                  <a:lnTo>
+                    <a:pt x="1911835" y="3301271"/>
+                  </a:lnTo>
+                  <a:lnTo>
+                    <a:pt x="1907522" y="3239065"/>
+                  </a:lnTo>
+                  <a:lnTo>
+                    <a:pt x="1903209" y="3176858"/>
+                  </a:lnTo>
+                  <a:lnTo>
+                    <a:pt x="1898895" y="3114652"/>
+                  </a:lnTo>
+                  <a:lnTo>
+                    <a:pt x="1894582" y="3052445"/>
+                  </a:lnTo>
+                  <a:lnTo>
+                    <a:pt x="1890269" y="2990239"/>
+                  </a:lnTo>
+                  <a:lnTo>
+                    <a:pt x="1885955" y="2928032"/>
+                  </a:lnTo>
+                  <a:lnTo>
+                    <a:pt x="1881642" y="2865826"/>
+                  </a:lnTo>
+                  <a:lnTo>
+                    <a:pt x="1877329" y="2803620"/>
+                  </a:lnTo>
+                  <a:lnTo>
+                    <a:pt x="1873016" y="2741413"/>
+                  </a:lnTo>
+                  <a:lnTo>
+                    <a:pt x="1868702" y="2679207"/>
+                  </a:lnTo>
+                  <a:lnTo>
+                    <a:pt x="1864389" y="2617000"/>
+                  </a:lnTo>
+                  <a:lnTo>
+                    <a:pt x="1860076" y="2554794"/>
+                  </a:lnTo>
+                  <a:lnTo>
+                    <a:pt x="1855763" y="2492588"/>
+                  </a:lnTo>
+                  <a:lnTo>
+                    <a:pt x="1851449" y="2430381"/>
+                  </a:lnTo>
+                  <a:lnTo>
+                    <a:pt x="1847136" y="2368175"/>
+                  </a:lnTo>
+                  <a:lnTo>
+                    <a:pt x="1842823" y="2305968"/>
+                  </a:lnTo>
+                  <a:lnTo>
+                    <a:pt x="1838510" y="2243762"/>
+                  </a:lnTo>
+                  <a:lnTo>
+                    <a:pt x="1834196" y="2181555"/>
+                  </a:lnTo>
+                  <a:lnTo>
+                    <a:pt x="1829883" y="2119349"/>
+                  </a:lnTo>
+                  <a:lnTo>
+                    <a:pt x="1825570" y="2057143"/>
+                  </a:lnTo>
+                  <a:lnTo>
+                    <a:pt x="1821257" y="1994936"/>
+                  </a:lnTo>
+                  <a:lnTo>
+                    <a:pt x="1816943" y="1932730"/>
+                  </a:lnTo>
+                  <a:lnTo>
+                    <a:pt x="1812630" y="1870523"/>
                   </a:lnTo>
                   <a:close/>
                 </a:path>
@@ -4568,7 +4568,7 @@
           </p:nvSpPr>
           <p:spPr>
             <a:xfrm>
-              <a:off x="4779129" y="2816008"/>
+              <a:off x="4778058" y="2816003"/>
               <a:ext cx="329449" cy="109040"/>
             </a:xfrm>
             <a:prstGeom prst="rect">
@@ -4614,7 +4614,7 @@
           </p:nvSpPr>
           <p:spPr>
             <a:xfrm>
-              <a:off x="4799387" y="2816325"/>
+              <a:off x="4798919" y="2816313"/>
               <a:ext cx="329449" cy="109040"/>
             </a:xfrm>
             <a:prstGeom prst="rect">
@@ -4660,7 +4660,7 @@
           </p:nvSpPr>
           <p:spPr>
             <a:xfrm>
-              <a:off x="5638768" y="3742441"/>
+              <a:off x="5638982" y="3709725"/>
               <a:ext cx="409835" cy="109040"/>
             </a:xfrm>
             <a:prstGeom prst="rect">
@@ -4693,7 +4693,7 @@
                   <a:latin typeface="Arial"/>
                   <a:cs typeface="Arial"/>
                 </a:rPr>
-                <a:t>49.4%</a:t>
+                <a:t>48.2%</a:t>
               </a:r>
             </a:p>
           </p:txBody>
@@ -4706,7 +4706,7 @@
           </p:nvSpPr>
           <p:spPr>
             <a:xfrm>
-              <a:off x="3830728" y="3718131"/>
+              <a:off x="3831267" y="3751447"/>
               <a:ext cx="409835" cy="109040"/>
             </a:xfrm>
             <a:prstGeom prst="rect">
@@ -4739,7 +4739,7 @@
                   <a:latin typeface="Arial"/>
                   <a:cs typeface="Arial"/>
                 </a:rPr>
-                <a:t>49.9%</a:t>
+                <a:t>51.1%</a:t>
               </a:r>
             </a:p>
           </p:txBody>
@@ -4752,7 +4752,7 @@
           </p:nvSpPr>
           <p:spPr>
             <a:xfrm>
-              <a:off x="4776886" y="2812651"/>
+              <a:off x="4775815" y="2812647"/>
               <a:ext cx="329449" cy="109040"/>
             </a:xfrm>
             <a:prstGeom prst="rect">
@@ -4798,7 +4798,7 @@
           </p:nvSpPr>
           <p:spPr>
             <a:xfrm>
-              <a:off x="4797144" y="2812969"/>
+              <a:off x="4796676" y="2812956"/>
               <a:ext cx="329449" cy="109040"/>
             </a:xfrm>
             <a:prstGeom prst="rect">
@@ -4844,7 +4844,7 @@
           </p:nvSpPr>
           <p:spPr>
             <a:xfrm>
-              <a:off x="5636525" y="3739085"/>
+              <a:off x="5636740" y="3706369"/>
               <a:ext cx="409835" cy="109040"/>
             </a:xfrm>
             <a:prstGeom prst="rect">
@@ -4877,7 +4877,7 @@
                   <a:latin typeface="Arial"/>
                   <a:cs typeface="Arial"/>
                 </a:rPr>
-                <a:t>49.4%</a:t>
+                <a:t>48.2%</a:t>
               </a:r>
             </a:p>
           </p:txBody>
@@ -4890,7 +4890,7 @@
           </p:nvSpPr>
           <p:spPr>
             <a:xfrm>
-              <a:off x="3828485" y="3714775"/>
+              <a:off x="3829024" y="3748090"/>
               <a:ext cx="409835" cy="109040"/>
             </a:xfrm>
             <a:prstGeom prst="rect">
@@ -4923,7 +4923,7 @@
                   <a:latin typeface="Arial"/>
                   <a:cs typeface="Arial"/>
                 </a:rPr>
-                <a:t>49.9%</a:t>
+                <a:t>51.1%</a:t>
               </a:r>
             </a:p>
           </p:txBody>
@@ -4936,7 +4936,7 @@
           </p:nvSpPr>
           <p:spPr>
             <a:xfrm>
-              <a:off x="4773530" y="2810408"/>
+              <a:off x="4772458" y="2810404"/>
               <a:ext cx="329449" cy="109040"/>
             </a:xfrm>
             <a:prstGeom prst="rect">
@@ -4982,7 +4982,7 @@
           </p:nvSpPr>
           <p:spPr>
             <a:xfrm>
-              <a:off x="4793787" y="2810726"/>
+              <a:off x="4793320" y="2810713"/>
               <a:ext cx="329449" cy="109040"/>
             </a:xfrm>
             <a:prstGeom prst="rect">
@@ -5028,7 +5028,7 @@
           </p:nvSpPr>
           <p:spPr>
             <a:xfrm>
-              <a:off x="5633169" y="3736842"/>
+              <a:off x="5633383" y="3704126"/>
               <a:ext cx="409835" cy="109040"/>
             </a:xfrm>
             <a:prstGeom prst="rect">
@@ -5061,7 +5061,7 @@
                   <a:latin typeface="Arial"/>
                   <a:cs typeface="Arial"/>
                 </a:rPr>
-                <a:t>49.4%</a:t>
+                <a:t>48.2%</a:t>
               </a:r>
             </a:p>
           </p:txBody>
@@ -5074,7 +5074,7 @@
           </p:nvSpPr>
           <p:spPr>
             <a:xfrm>
-              <a:off x="3825128" y="3712532"/>
+              <a:off x="3825667" y="3745848"/>
               <a:ext cx="409835" cy="109040"/>
             </a:xfrm>
             <a:prstGeom prst="rect">
@@ -5107,7 +5107,7 @@
                   <a:latin typeface="Arial"/>
                   <a:cs typeface="Arial"/>
                 </a:rPr>
-                <a:t>49.9%</a:t>
+                <a:t>51.1%</a:t>
               </a:r>
             </a:p>
           </p:txBody>
@@ -5120,7 +5120,7 @@
           </p:nvSpPr>
           <p:spPr>
             <a:xfrm>
-              <a:off x="4769570" y="2809621"/>
+              <a:off x="4768499" y="2809616"/>
               <a:ext cx="329449" cy="109040"/>
             </a:xfrm>
             <a:prstGeom prst="rect">
@@ -5166,7 +5166,7 @@
           </p:nvSpPr>
           <p:spPr>
             <a:xfrm>
-              <a:off x="4789828" y="2809938"/>
+              <a:off x="4789360" y="2809926"/>
               <a:ext cx="329449" cy="109040"/>
             </a:xfrm>
             <a:prstGeom prst="rect">
@@ -5212,7 +5212,7 @@
           </p:nvSpPr>
           <p:spPr>
             <a:xfrm>
-              <a:off x="5629209" y="3736054"/>
+              <a:off x="5629424" y="3703338"/>
               <a:ext cx="409835" cy="109040"/>
             </a:xfrm>
             <a:prstGeom prst="rect">
@@ -5245,7 +5245,7 @@
                   <a:latin typeface="Arial"/>
                   <a:cs typeface="Arial"/>
                 </a:rPr>
-                <a:t>49.4%</a:t>
+                <a:t>48.2%</a:t>
               </a:r>
             </a:p>
           </p:txBody>
@@ -5258,7 +5258,7 @@
           </p:nvSpPr>
           <p:spPr>
             <a:xfrm>
-              <a:off x="3821169" y="3711744"/>
+              <a:off x="3821708" y="3745060"/>
               <a:ext cx="409835" cy="109040"/>
             </a:xfrm>
             <a:prstGeom prst="rect">
@@ -5291,7 +5291,7 @@
                   <a:latin typeface="Arial"/>
                   <a:cs typeface="Arial"/>
                 </a:rPr>
-                <a:t>49.9%</a:t>
+                <a:t>51.1%</a:t>
               </a:r>
             </a:p>
           </p:txBody>
@@ -5304,7 +5304,7 @@
           </p:nvSpPr>
           <p:spPr>
             <a:xfrm>
-              <a:off x="4765611" y="2810408"/>
+              <a:off x="4764539" y="2810404"/>
               <a:ext cx="329449" cy="109040"/>
             </a:xfrm>
             <a:prstGeom prst="rect">
@@ -5350,7 +5350,7 @@
           </p:nvSpPr>
           <p:spPr>
             <a:xfrm>
-              <a:off x="4785868" y="2810726"/>
+              <a:off x="4785401" y="2810713"/>
               <a:ext cx="329449" cy="109040"/>
             </a:xfrm>
             <a:prstGeom prst="rect">
@@ -5396,7 +5396,7 @@
           </p:nvSpPr>
           <p:spPr>
             <a:xfrm>
-              <a:off x="5625250" y="3736842"/>
+              <a:off x="5625464" y="3704126"/>
               <a:ext cx="409835" cy="109040"/>
             </a:xfrm>
             <a:prstGeom prst="rect">
@@ -5429,7 +5429,7 @@
                   <a:latin typeface="Arial"/>
                   <a:cs typeface="Arial"/>
                 </a:rPr>
-                <a:t>49.4%</a:t>
+                <a:t>48.2%</a:t>
               </a:r>
             </a:p>
           </p:txBody>
@@ -5442,7 +5442,7 @@
           </p:nvSpPr>
           <p:spPr>
             <a:xfrm>
-              <a:off x="3817209" y="3712532"/>
+              <a:off x="3817749" y="3745848"/>
               <a:ext cx="409835" cy="109040"/>
             </a:xfrm>
             <a:prstGeom prst="rect">
@@ -5475,7 +5475,7 @@
                   <a:latin typeface="Arial"/>
                   <a:cs typeface="Arial"/>
                 </a:rPr>
-                <a:t>49.9%</a:t>
+                <a:t>51.1%</a:t>
               </a:r>
             </a:p>
           </p:txBody>
@@ -5488,7 +5488,7 @@
           </p:nvSpPr>
           <p:spPr>
             <a:xfrm>
-              <a:off x="4762254" y="2812651"/>
+              <a:off x="4761183" y="2812647"/>
               <a:ext cx="329449" cy="109040"/>
             </a:xfrm>
             <a:prstGeom prst="rect">
@@ -5534,7 +5534,7 @@
           </p:nvSpPr>
           <p:spPr>
             <a:xfrm>
-              <a:off x="4782512" y="2812969"/>
+              <a:off x="4782044" y="2812956"/>
               <a:ext cx="329449" cy="109040"/>
             </a:xfrm>
             <a:prstGeom prst="rect">
@@ -5580,7 +5580,7 @@
           </p:nvSpPr>
           <p:spPr>
             <a:xfrm>
-              <a:off x="5621893" y="3739085"/>
+              <a:off x="5622108" y="3706369"/>
               <a:ext cx="409835" cy="109040"/>
             </a:xfrm>
             <a:prstGeom prst="rect">
@@ -5613,7 +5613,7 @@
                   <a:latin typeface="Arial"/>
                   <a:cs typeface="Arial"/>
                 </a:rPr>
-                <a:t>49.4%</a:t>
+                <a:t>48.2%</a:t>
               </a:r>
             </a:p>
           </p:txBody>
@@ -5626,7 +5626,7 @@
           </p:nvSpPr>
           <p:spPr>
             <a:xfrm>
-              <a:off x="3813853" y="3714775"/>
+              <a:off x="3814392" y="3748090"/>
               <a:ext cx="409835" cy="109040"/>
             </a:xfrm>
             <a:prstGeom prst="rect">
@@ -5659,7 +5659,7 @@
                   <a:latin typeface="Arial"/>
                   <a:cs typeface="Arial"/>
                 </a:rPr>
-                <a:t>49.9%</a:t>
+                <a:t>51.1%</a:t>
               </a:r>
             </a:p>
           </p:txBody>
@@ -5672,7 +5672,7 @@
           </p:nvSpPr>
           <p:spPr>
             <a:xfrm>
-              <a:off x="4760011" y="2816008"/>
+              <a:off x="4758940" y="2816003"/>
               <a:ext cx="329449" cy="109040"/>
             </a:xfrm>
             <a:prstGeom prst="rect">
@@ -5718,7 +5718,7 @@
           </p:nvSpPr>
           <p:spPr>
             <a:xfrm>
-              <a:off x="4780269" y="2816325"/>
+              <a:off x="4779801" y="2816313"/>
               <a:ext cx="329449" cy="109040"/>
             </a:xfrm>
             <a:prstGeom prst="rect">
@@ -5764,7 +5764,7 @@
           </p:nvSpPr>
           <p:spPr>
             <a:xfrm>
-              <a:off x="5619650" y="3742441"/>
+              <a:off x="5619865" y="3709725"/>
               <a:ext cx="409835" cy="109040"/>
             </a:xfrm>
             <a:prstGeom prst="rect">
@@ -5797,7 +5797,7 @@
                   <a:latin typeface="Arial"/>
                   <a:cs typeface="Arial"/>
                 </a:rPr>
-                <a:t>49.4%</a:t>
+                <a:t>48.2%</a:t>
               </a:r>
             </a:p>
           </p:txBody>
@@ -5810,7 +5810,7 @@
           </p:nvSpPr>
           <p:spPr>
             <a:xfrm>
-              <a:off x="3811610" y="3718131"/>
+              <a:off x="3812149" y="3751447"/>
               <a:ext cx="409835" cy="109040"/>
             </a:xfrm>
             <a:prstGeom prst="rect">
@@ -5843,7 +5843,7 @@
                   <a:latin typeface="Arial"/>
                   <a:cs typeface="Arial"/>
                 </a:rPr>
-                <a:t>49.9%</a:t>
+                <a:t>51.1%</a:t>
               </a:r>
             </a:p>
           </p:txBody>
@@ -5856,7 +5856,7 @@
           </p:nvSpPr>
           <p:spPr>
             <a:xfrm>
-              <a:off x="4759224" y="2819967"/>
+              <a:off x="4758152" y="2819963"/>
               <a:ext cx="329449" cy="109040"/>
             </a:xfrm>
             <a:prstGeom prst="rect">
@@ -5902,7 +5902,7 @@
           </p:nvSpPr>
           <p:spPr>
             <a:xfrm>
-              <a:off x="4779481" y="2820285"/>
+              <a:off x="4779014" y="2820272"/>
               <a:ext cx="329449" cy="109040"/>
             </a:xfrm>
             <a:prstGeom prst="rect">
@@ -5948,7 +5948,7 @@
           </p:nvSpPr>
           <p:spPr>
             <a:xfrm>
-              <a:off x="5618863" y="3746401"/>
+              <a:off x="5619077" y="3713685"/>
               <a:ext cx="409835" cy="109040"/>
             </a:xfrm>
             <a:prstGeom prst="rect">
@@ -5981,7 +5981,7 @@
                   <a:latin typeface="Arial"/>
                   <a:cs typeface="Arial"/>
                 </a:rPr>
-                <a:t>49.4%</a:t>
+                <a:t>48.2%</a:t>
               </a:r>
             </a:p>
           </p:txBody>
@@ -5994,7 +5994,7 @@
           </p:nvSpPr>
           <p:spPr>
             <a:xfrm>
-              <a:off x="3810822" y="3722091"/>
+              <a:off x="3811361" y="3755407"/>
               <a:ext cx="409835" cy="109040"/>
             </a:xfrm>
             <a:prstGeom prst="rect">
@@ -6027,7 +6027,7 @@
                   <a:latin typeface="Arial"/>
                   <a:cs typeface="Arial"/>
                 </a:rPr>
-                <a:t>49.9%</a:t>
+                <a:t>51.1%</a:t>
               </a:r>
             </a:p>
           </p:txBody>
@@ -6040,7 +6040,7 @@
           </p:nvSpPr>
           <p:spPr>
             <a:xfrm>
-              <a:off x="4760011" y="2823926"/>
+              <a:off x="4758940" y="2823922"/>
               <a:ext cx="329449" cy="109040"/>
             </a:xfrm>
             <a:prstGeom prst="rect">
@@ -6086,7 +6086,7 @@
           </p:nvSpPr>
           <p:spPr>
             <a:xfrm>
-              <a:off x="4780269" y="2824244"/>
+              <a:off x="4779801" y="2824232"/>
               <a:ext cx="329449" cy="109040"/>
             </a:xfrm>
             <a:prstGeom prst="rect">
@@ -6132,7 +6132,7 @@
           </p:nvSpPr>
           <p:spPr>
             <a:xfrm>
-              <a:off x="5619650" y="3750360"/>
+              <a:off x="5619865" y="3717644"/>
               <a:ext cx="409835" cy="109040"/>
             </a:xfrm>
             <a:prstGeom prst="rect">
@@ -6165,7 +6165,7 @@
                   <a:latin typeface="Arial"/>
                   <a:cs typeface="Arial"/>
                 </a:rPr>
-                <a:t>49.4%</a:t>
+                <a:t>48.2%</a:t>
               </a:r>
             </a:p>
           </p:txBody>
@@ -6178,7 +6178,7 @@
           </p:nvSpPr>
           <p:spPr>
             <a:xfrm>
-              <a:off x="3811610" y="3726050"/>
+              <a:off x="3812149" y="3759366"/>
               <a:ext cx="409835" cy="109040"/>
             </a:xfrm>
             <a:prstGeom prst="rect">
@@ -6211,7 +6211,7 @@
                   <a:latin typeface="Arial"/>
                   <a:cs typeface="Arial"/>
                 </a:rPr>
-                <a:t>49.9%</a:t>
+                <a:t>51.1%</a:t>
               </a:r>
             </a:p>
           </p:txBody>
@@ -6224,7 +6224,7 @@
           </p:nvSpPr>
           <p:spPr>
             <a:xfrm>
-              <a:off x="4762254" y="2827283"/>
+              <a:off x="4761183" y="2827279"/>
               <a:ext cx="329449" cy="109040"/>
             </a:xfrm>
             <a:prstGeom prst="rect">
@@ -6270,7 +6270,7 @@
           </p:nvSpPr>
           <p:spPr>
             <a:xfrm>
-              <a:off x="4782512" y="2827601"/>
+              <a:off x="4782044" y="2827588"/>
               <a:ext cx="329449" cy="109040"/>
             </a:xfrm>
             <a:prstGeom prst="rect">
@@ -6316,7 +6316,7 @@
           </p:nvSpPr>
           <p:spPr>
             <a:xfrm>
-              <a:off x="5621893" y="3753717"/>
+              <a:off x="5622108" y="3721001"/>
               <a:ext cx="409835" cy="109040"/>
             </a:xfrm>
             <a:prstGeom prst="rect">
@@ -6349,7 +6349,7 @@
                   <a:latin typeface="Arial"/>
                   <a:cs typeface="Arial"/>
                 </a:rPr>
-                <a:t>49.4%</a:t>
+                <a:t>48.2%</a:t>
               </a:r>
             </a:p>
           </p:txBody>
@@ -6362,7 +6362,7 @@
           </p:nvSpPr>
           <p:spPr>
             <a:xfrm>
-              <a:off x="3813853" y="3729407"/>
+              <a:off x="3814392" y="3762723"/>
               <a:ext cx="409835" cy="109040"/>
             </a:xfrm>
             <a:prstGeom prst="rect">
@@ -6395,7 +6395,7 @@
                   <a:latin typeface="Arial"/>
                   <a:cs typeface="Arial"/>
                 </a:rPr>
-                <a:t>49.9%</a:t>
+                <a:t>51.1%</a:t>
               </a:r>
             </a:p>
           </p:txBody>
@@ -6408,7 +6408,7 @@
           </p:nvSpPr>
           <p:spPr>
             <a:xfrm>
-              <a:off x="4765611" y="2829526"/>
+              <a:off x="4764539" y="2829522"/>
               <a:ext cx="329449" cy="109040"/>
             </a:xfrm>
             <a:prstGeom prst="rect">
@@ -6454,7 +6454,7 @@
           </p:nvSpPr>
           <p:spPr>
             <a:xfrm>
-              <a:off x="4785868" y="2829844"/>
+              <a:off x="4785401" y="2829831"/>
               <a:ext cx="329449" cy="109040"/>
             </a:xfrm>
             <a:prstGeom prst="rect">
@@ -6500,7 +6500,7 @@
           </p:nvSpPr>
           <p:spPr>
             <a:xfrm>
-              <a:off x="5625250" y="3755960"/>
+              <a:off x="5625464" y="3723244"/>
               <a:ext cx="409835" cy="109040"/>
             </a:xfrm>
             <a:prstGeom prst="rect">
@@ -6533,7 +6533,7 @@
                   <a:latin typeface="Arial"/>
                   <a:cs typeface="Arial"/>
                 </a:rPr>
-                <a:t>49.4%</a:t>
+                <a:t>48.2%</a:t>
               </a:r>
             </a:p>
           </p:txBody>
@@ -6546,7 +6546,7 @@
           </p:nvSpPr>
           <p:spPr>
             <a:xfrm>
-              <a:off x="3817209" y="3731650"/>
+              <a:off x="3817749" y="3764965"/>
               <a:ext cx="409835" cy="109040"/>
             </a:xfrm>
             <a:prstGeom prst="rect">
@@ -6579,7 +6579,7 @@
                   <a:latin typeface="Arial"/>
                   <a:cs typeface="Arial"/>
                 </a:rPr>
-                <a:t>49.9%</a:t>
+                <a:t>51.1%</a:t>
               </a:r>
             </a:p>
           </p:txBody>
@@ -6592,7 +6592,7 @@
           </p:nvSpPr>
           <p:spPr>
             <a:xfrm>
-              <a:off x="4769570" y="2830313"/>
+              <a:off x="4768499" y="2830309"/>
               <a:ext cx="329449" cy="109040"/>
             </a:xfrm>
             <a:prstGeom prst="rect">
@@ -6638,7 +6638,7 @@
           </p:nvSpPr>
           <p:spPr>
             <a:xfrm>
-              <a:off x="4789828" y="2830631"/>
+              <a:off x="4789360" y="2830619"/>
               <a:ext cx="329449" cy="109040"/>
             </a:xfrm>
             <a:prstGeom prst="rect">
@@ -6684,7 +6684,7 @@
           </p:nvSpPr>
           <p:spPr>
             <a:xfrm>
-              <a:off x="5629209" y="3756747"/>
+              <a:off x="5629424" y="3724031"/>
               <a:ext cx="409835" cy="109040"/>
             </a:xfrm>
             <a:prstGeom prst="rect">
@@ -6717,7 +6717,7 @@
                   <a:latin typeface="Arial"/>
                   <a:cs typeface="Arial"/>
                 </a:rPr>
-                <a:t>49.4%</a:t>
+                <a:t>48.2%</a:t>
               </a:r>
             </a:p>
           </p:txBody>
@@ -6730,7 +6730,7 @@
           </p:nvSpPr>
           <p:spPr>
             <a:xfrm>
-              <a:off x="3821169" y="3732437"/>
+              <a:off x="3821708" y="3765753"/>
               <a:ext cx="409835" cy="109040"/>
             </a:xfrm>
             <a:prstGeom prst="rect">
@@ -6763,7 +6763,7 @@
                   <a:latin typeface="Arial"/>
                   <a:cs typeface="Arial"/>
                 </a:rPr>
-                <a:t>49.9%</a:t>
+                <a:t>51.1%</a:t>
               </a:r>
             </a:p>
           </p:txBody>
@@ -6776,7 +6776,7 @@
           </p:nvSpPr>
           <p:spPr>
             <a:xfrm>
-              <a:off x="4773530" y="2829526"/>
+              <a:off x="4772458" y="2829522"/>
               <a:ext cx="329449" cy="109040"/>
             </a:xfrm>
             <a:prstGeom prst="rect">
@@ -6822,7 +6822,7 @@
           </p:nvSpPr>
           <p:spPr>
             <a:xfrm>
-              <a:off x="4793787" y="2829844"/>
+              <a:off x="4793320" y="2829831"/>
               <a:ext cx="329449" cy="109040"/>
             </a:xfrm>
             <a:prstGeom prst="rect">
@@ -6868,7 +6868,7 @@
           </p:nvSpPr>
           <p:spPr>
             <a:xfrm>
-              <a:off x="5633169" y="3755960"/>
+              <a:off x="5633383" y="3723244"/>
               <a:ext cx="409835" cy="109040"/>
             </a:xfrm>
             <a:prstGeom prst="rect">
@@ -6901,7 +6901,7 @@
                   <a:latin typeface="Arial"/>
                   <a:cs typeface="Arial"/>
                 </a:rPr>
-                <a:t>49.4%</a:t>
+                <a:t>48.2%</a:t>
               </a:r>
             </a:p>
           </p:txBody>
@@ -6914,7 +6914,7 @@
           </p:nvSpPr>
           <p:spPr>
             <a:xfrm>
-              <a:off x="3825128" y="3731650"/>
+              <a:off x="3825667" y="3764965"/>
               <a:ext cx="409835" cy="109040"/>
             </a:xfrm>
             <a:prstGeom prst="rect">
@@ -6947,7 +6947,7 @@
                   <a:latin typeface="Arial"/>
                   <a:cs typeface="Arial"/>
                 </a:rPr>
-                <a:t>49.9%</a:t>
+                <a:t>51.1%</a:t>
               </a:r>
             </a:p>
           </p:txBody>
@@ -6960,7 +6960,7 @@
           </p:nvSpPr>
           <p:spPr>
             <a:xfrm>
-              <a:off x="4776886" y="2827283"/>
+              <a:off x="4775815" y="2827279"/>
               <a:ext cx="329449" cy="109040"/>
             </a:xfrm>
             <a:prstGeom prst="rect">
@@ -7006,7 +7006,7 @@
           </p:nvSpPr>
           <p:spPr>
             <a:xfrm>
-              <a:off x="4797144" y="2827601"/>
+              <a:off x="4796676" y="2827588"/>
               <a:ext cx="329449" cy="109040"/>
             </a:xfrm>
             <a:prstGeom prst="rect">
@@ -7052,7 +7052,7 @@
           </p:nvSpPr>
           <p:spPr>
             <a:xfrm>
-              <a:off x="5636525" y="3753717"/>
+              <a:off x="5636740" y="3721001"/>
               <a:ext cx="409835" cy="109040"/>
             </a:xfrm>
             <a:prstGeom prst="rect">
@@ -7085,7 +7085,7 @@
                   <a:latin typeface="Arial"/>
                   <a:cs typeface="Arial"/>
                 </a:rPr>
-                <a:t>49.4%</a:t>
+                <a:t>48.2%</a:t>
               </a:r>
             </a:p>
           </p:txBody>
@@ -7098,7 +7098,7 @@
           </p:nvSpPr>
           <p:spPr>
             <a:xfrm>
-              <a:off x="3828485" y="3729407"/>
+              <a:off x="3829024" y="3762723"/>
               <a:ext cx="409835" cy="109040"/>
             </a:xfrm>
             <a:prstGeom prst="rect">
@@ -7131,7 +7131,7 @@
                   <a:latin typeface="Arial"/>
                   <a:cs typeface="Arial"/>
                 </a:rPr>
-                <a:t>49.9%</a:t>
+                <a:t>51.1%</a:t>
               </a:r>
             </a:p>
           </p:txBody>
@@ -7144,7 +7144,7 @@
           </p:nvSpPr>
           <p:spPr>
             <a:xfrm>
-              <a:off x="4779129" y="2823926"/>
+              <a:off x="4778058" y="2823922"/>
               <a:ext cx="329449" cy="109040"/>
             </a:xfrm>
             <a:prstGeom prst="rect">
@@ -7190,7 +7190,7 @@
           </p:nvSpPr>
           <p:spPr>
             <a:xfrm>
-              <a:off x="4799387" y="2824244"/>
+              <a:off x="4798919" y="2824232"/>
               <a:ext cx="329449" cy="109040"/>
             </a:xfrm>
             <a:prstGeom prst="rect">
@@ -7236,7 +7236,7 @@
           </p:nvSpPr>
           <p:spPr>
             <a:xfrm>
-              <a:off x="5638768" y="3750360"/>
+              <a:off x="5638982" y="3717644"/>
               <a:ext cx="409835" cy="109040"/>
             </a:xfrm>
             <a:prstGeom prst="rect">
@@ -7269,7 +7269,7 @@
                   <a:latin typeface="Arial"/>
                   <a:cs typeface="Arial"/>
                 </a:rPr>
-                <a:t>49.4%</a:t>
+                <a:t>48.2%</a:t>
               </a:r>
             </a:p>
           </p:txBody>
@@ -7282,7 +7282,7 @@
           </p:nvSpPr>
           <p:spPr>
             <a:xfrm>
-              <a:off x="3830728" y="3726050"/>
+              <a:off x="3831267" y="3759366"/>
               <a:ext cx="409835" cy="109040"/>
             </a:xfrm>
             <a:prstGeom prst="rect">
@@ -7315,7 +7315,7 @@
                   <a:latin typeface="Arial"/>
                   <a:cs typeface="Arial"/>
                 </a:rPr>
-                <a:t>49.9%</a:t>
+                <a:t>51.1%</a:t>
               </a:r>
             </a:p>
           </p:txBody>
@@ -7328,7 +7328,7 @@
           </p:nvSpPr>
           <p:spPr>
             <a:xfrm>
-              <a:off x="4779917" y="2819967"/>
+              <a:off x="4778845" y="2819963"/>
               <a:ext cx="329449" cy="109040"/>
             </a:xfrm>
             <a:prstGeom prst="rect">
@@ -7374,7 +7374,7 @@
           </p:nvSpPr>
           <p:spPr>
             <a:xfrm>
-              <a:off x="4800174" y="2820285"/>
+              <a:off x="4799707" y="2820272"/>
               <a:ext cx="329449" cy="109040"/>
             </a:xfrm>
             <a:prstGeom prst="rect">
@@ -7420,7 +7420,7 @@
           </p:nvSpPr>
           <p:spPr>
             <a:xfrm>
-              <a:off x="5639556" y="3746401"/>
+              <a:off x="5639770" y="3713685"/>
               <a:ext cx="409835" cy="109040"/>
             </a:xfrm>
             <a:prstGeom prst="rect">
@@ -7453,7 +7453,7 @@
                   <a:latin typeface="Arial"/>
                   <a:cs typeface="Arial"/>
                 </a:rPr>
-                <a:t>49.4%</a:t>
+                <a:t>48.2%</a:t>
               </a:r>
             </a:p>
           </p:txBody>
@@ -7466,7 +7466,7 @@
           </p:nvSpPr>
           <p:spPr>
             <a:xfrm>
-              <a:off x="3831515" y="3722091"/>
+              <a:off x="3832054" y="3755407"/>
               <a:ext cx="409835" cy="109040"/>
             </a:xfrm>
             <a:prstGeom prst="rect">
@@ -7499,7 +7499,7 @@
                   <a:latin typeface="Arial"/>
                   <a:cs typeface="Arial"/>
                 </a:rPr>
-                <a:t>49.9%</a:t>
+                <a:t>51.1%</a:t>
               </a:r>
             </a:p>
           </p:txBody>
@@ -7512,7 +7512,7 @@
           </p:nvSpPr>
           <p:spPr>
             <a:xfrm>
-              <a:off x="4769570" y="2819967"/>
+              <a:off x="4768499" y="2819963"/>
               <a:ext cx="329449" cy="109040"/>
             </a:xfrm>
             <a:prstGeom prst="rect">
@@ -7558,7 +7558,7 @@
           </p:nvSpPr>
           <p:spPr>
             <a:xfrm>
-              <a:off x="4789828" y="2820285"/>
+              <a:off x="4789360" y="2820272"/>
               <a:ext cx="329449" cy="109040"/>
             </a:xfrm>
             <a:prstGeom prst="rect">
@@ -7604,7 +7604,7 @@
           </p:nvSpPr>
           <p:spPr>
             <a:xfrm>
-              <a:off x="5629209" y="3746401"/>
+              <a:off x="5629424" y="3713685"/>
               <a:ext cx="409835" cy="109040"/>
             </a:xfrm>
             <a:prstGeom prst="rect">
@@ -7637,7 +7637,7 @@
                   <a:latin typeface="Arial"/>
                   <a:cs typeface="Arial"/>
                 </a:rPr>
-                <a:t>49.4%</a:t>
+                <a:t>48.2%</a:t>
               </a:r>
             </a:p>
           </p:txBody>
@@ -7650,7 +7650,7 @@
           </p:nvSpPr>
           <p:spPr>
             <a:xfrm>
-              <a:off x="3821169" y="3722091"/>
+              <a:off x="3821708" y="3755407"/>
               <a:ext cx="409835" cy="109040"/>
             </a:xfrm>
             <a:prstGeom prst="rect">
@@ -7683,7 +7683,7 @@
                   <a:latin typeface="Arial"/>
                   <a:cs typeface="Arial"/>
                 </a:rPr>
-                <a:t>49.9%</a:t>
+                <a:t>51.1%</a:t>
               </a:r>
             </a:p>
           </p:txBody>

--- a/_book/plot/pro-survey-q3-1.pptx
+++ b/_book/plot/pro-survey-q3-1.pptx
@@ -3192,8 +3192,8 @@
           </p:nvSpPr>
           <p:spPr>
             <a:xfrm>
-              <a:off x="2019661" y="1590617"/>
-              <a:ext cx="6917431" cy="4055309"/>
+              <a:off x="2017917" y="1590617"/>
+              <a:ext cx="6919174" cy="4059006"/>
             </a:xfrm>
             <a:prstGeom prst="rect">
               <a:avLst/>
@@ -3218,15 +3218,15 @@
           </p:nvSpPr>
           <p:spPr>
             <a:xfrm>
-              <a:off x="2663095" y="1590617"/>
-              <a:ext cx="0" cy="4055309"/>
+              <a:off x="2661513" y="1590617"/>
+              <a:ext cx="0" cy="4059006"/>
             </a:xfrm>
             <a:custGeom>
               <a:avLst/>
               <a:pathLst>
-                <a:path w="0" h="4055309">
+                <a:path w="0" h="4059006">
                   <a:moveTo>
-                    <a:pt x="0" y="4055309"/>
+                    <a:pt x="0" y="4059006"/>
                   </a:moveTo>
                   <a:lnTo>
                     <a:pt x="0" y="0"/>
@@ -3261,15 +3261,15 @@
           </p:nvSpPr>
           <p:spPr>
             <a:xfrm>
-              <a:off x="3949963" y="1590617"/>
-              <a:ext cx="0" cy="4055309"/>
+              <a:off x="3948706" y="1590617"/>
+              <a:ext cx="0" cy="4059006"/>
             </a:xfrm>
             <a:custGeom>
               <a:avLst/>
               <a:pathLst>
-                <a:path w="0" h="4055309">
+                <a:path w="0" h="4059006">
                   <a:moveTo>
-                    <a:pt x="0" y="4055309"/>
+                    <a:pt x="0" y="4059006"/>
                   </a:moveTo>
                   <a:lnTo>
                     <a:pt x="0" y="0"/>
@@ -3304,15 +3304,15 @@
           </p:nvSpPr>
           <p:spPr>
             <a:xfrm>
-              <a:off x="5236831" y="1590617"/>
-              <a:ext cx="0" cy="4055309"/>
+              <a:off x="5235898" y="1590617"/>
+              <a:ext cx="0" cy="4059006"/>
             </a:xfrm>
             <a:custGeom>
               <a:avLst/>
               <a:pathLst>
-                <a:path w="0" h="4055309">
+                <a:path w="0" h="4059006">
                   <a:moveTo>
-                    <a:pt x="0" y="4055309"/>
+                    <a:pt x="0" y="4059006"/>
                   </a:moveTo>
                   <a:lnTo>
                     <a:pt x="0" y="0"/>
@@ -3347,15 +3347,15 @@
           </p:nvSpPr>
           <p:spPr>
             <a:xfrm>
-              <a:off x="6523699" y="1590617"/>
-              <a:ext cx="0" cy="4055309"/>
+              <a:off x="6523091" y="1590617"/>
+              <a:ext cx="0" cy="4059006"/>
             </a:xfrm>
             <a:custGeom>
               <a:avLst/>
               <a:pathLst>
-                <a:path w="0" h="4055309">
+                <a:path w="0" h="4059006">
                   <a:moveTo>
-                    <a:pt x="0" y="4055309"/>
+                    <a:pt x="0" y="4059006"/>
                   </a:moveTo>
                   <a:lnTo>
                     <a:pt x="0" y="0"/>
@@ -3390,15 +3390,15 @@
           </p:nvSpPr>
           <p:spPr>
             <a:xfrm>
-              <a:off x="7810568" y="1590617"/>
-              <a:ext cx="0" cy="4055309"/>
+              <a:off x="7810284" y="1590617"/>
+              <a:ext cx="0" cy="4059006"/>
             </a:xfrm>
             <a:custGeom>
               <a:avLst/>
               <a:pathLst>
-                <a:path w="0" h="4055309">
+                <a:path w="0" h="4059006">
                   <a:moveTo>
-                    <a:pt x="0" y="4055309"/>
+                    <a:pt x="0" y="4059006"/>
                   </a:moveTo>
                   <a:lnTo>
                     <a:pt x="0" y="0"/>
@@ -3433,21 +3433,21 @@
           </p:nvSpPr>
           <p:spPr>
             <a:xfrm>
-              <a:off x="2019661" y="5066596"/>
-              <a:ext cx="6917431" cy="0"/>
+              <a:off x="2017917" y="5069765"/>
+              <a:ext cx="6919174" cy="0"/>
             </a:xfrm>
             <a:custGeom>
               <a:avLst/>
               <a:pathLst>
-                <a:path w="6917431" h="0">
+                <a:path w="6919174" h="0">
                   <a:moveTo>
                     <a:pt x="0" y="0"/>
                   </a:moveTo>
                   <a:lnTo>
-                    <a:pt x="6917431" y="0"/>
-                  </a:lnTo>
-                  <a:lnTo>
-                    <a:pt x="6917431" y="0"/>
+                    <a:pt x="6919174" y="0"/>
+                  </a:lnTo>
+                  <a:lnTo>
+                    <a:pt x="6919174" y="0"/>
                   </a:lnTo>
                 </a:path>
               </a:pathLst>
@@ -3476,21 +3476,21 @@
           </p:nvSpPr>
           <p:spPr>
             <a:xfrm>
-              <a:off x="2019661" y="4101046"/>
-              <a:ext cx="6917431" cy="0"/>
+              <a:off x="2017917" y="4103335"/>
+              <a:ext cx="6919174" cy="0"/>
             </a:xfrm>
             <a:custGeom>
               <a:avLst/>
               <a:pathLst>
-                <a:path w="6917431" h="0">
+                <a:path w="6919174" h="0">
                   <a:moveTo>
                     <a:pt x="0" y="0"/>
                   </a:moveTo>
                   <a:lnTo>
-                    <a:pt x="6917431" y="0"/>
-                  </a:lnTo>
-                  <a:lnTo>
-                    <a:pt x="6917431" y="0"/>
+                    <a:pt x="6919174" y="0"/>
+                  </a:lnTo>
+                  <a:lnTo>
+                    <a:pt x="6919174" y="0"/>
                   </a:lnTo>
                 </a:path>
               </a:pathLst>
@@ -3519,21 +3519,21 @@
           </p:nvSpPr>
           <p:spPr>
             <a:xfrm>
-              <a:off x="2019661" y="3135496"/>
-              <a:ext cx="6917431" cy="0"/>
+              <a:off x="2017917" y="3136905"/>
+              <a:ext cx="6919174" cy="0"/>
             </a:xfrm>
             <a:custGeom>
               <a:avLst/>
               <a:pathLst>
-                <a:path w="6917431" h="0">
+                <a:path w="6919174" h="0">
                   <a:moveTo>
                     <a:pt x="0" y="0"/>
                   </a:moveTo>
                   <a:lnTo>
-                    <a:pt x="6917431" y="0"/>
-                  </a:lnTo>
-                  <a:lnTo>
-                    <a:pt x="6917431" y="0"/>
+                    <a:pt x="6919174" y="0"/>
+                  </a:lnTo>
+                  <a:lnTo>
+                    <a:pt x="6919174" y="0"/>
                   </a:lnTo>
                 </a:path>
               </a:pathLst>
@@ -3562,21 +3562,21 @@
           </p:nvSpPr>
           <p:spPr>
             <a:xfrm>
-              <a:off x="2019661" y="2169947"/>
-              <a:ext cx="6917431" cy="0"/>
+              <a:off x="2017917" y="2170475"/>
+              <a:ext cx="6919174" cy="0"/>
             </a:xfrm>
             <a:custGeom>
               <a:avLst/>
               <a:pathLst>
-                <a:path w="6917431" h="0">
+                <a:path w="6919174" h="0">
                   <a:moveTo>
                     <a:pt x="0" y="0"/>
                   </a:moveTo>
                   <a:lnTo>
-                    <a:pt x="6917431" y="0"/>
-                  </a:lnTo>
-                  <a:lnTo>
-                    <a:pt x="6917431" y="0"/>
+                    <a:pt x="6919174" y="0"/>
+                  </a:lnTo>
+                  <a:lnTo>
+                    <a:pt x="6919174" y="0"/>
                   </a:lnTo>
                 </a:path>
               </a:pathLst>
@@ -3605,15 +3605,15 @@
           </p:nvSpPr>
           <p:spPr>
             <a:xfrm>
-              <a:off x="2019661" y="1590617"/>
-              <a:ext cx="0" cy="4055309"/>
+              <a:off x="2017917" y="1590617"/>
+              <a:ext cx="0" cy="4059006"/>
             </a:xfrm>
             <a:custGeom>
               <a:avLst/>
               <a:pathLst>
-                <a:path w="0" h="4055309">
+                <a:path w="0" h="4059006">
                   <a:moveTo>
-                    <a:pt x="0" y="4055309"/>
+                    <a:pt x="0" y="4059006"/>
                   </a:moveTo>
                   <a:lnTo>
                     <a:pt x="0" y="0"/>
@@ -3648,15 +3648,15 @@
           </p:nvSpPr>
           <p:spPr>
             <a:xfrm>
-              <a:off x="3306529" y="1590617"/>
-              <a:ext cx="0" cy="4055309"/>
+              <a:off x="3305110" y="1590617"/>
+              <a:ext cx="0" cy="4059006"/>
             </a:xfrm>
             <a:custGeom>
               <a:avLst/>
               <a:pathLst>
-                <a:path w="0" h="4055309">
+                <a:path w="0" h="4059006">
                   <a:moveTo>
-                    <a:pt x="0" y="4055309"/>
+                    <a:pt x="0" y="4059006"/>
                   </a:moveTo>
                   <a:lnTo>
                     <a:pt x="0" y="0"/>
@@ -3691,15 +3691,15 @@
           </p:nvSpPr>
           <p:spPr>
             <a:xfrm>
-              <a:off x="4593397" y="1590617"/>
-              <a:ext cx="0" cy="4055309"/>
+              <a:off x="4592302" y="1590617"/>
+              <a:ext cx="0" cy="4059006"/>
             </a:xfrm>
             <a:custGeom>
               <a:avLst/>
               <a:pathLst>
-                <a:path w="0" h="4055309">
+                <a:path w="0" h="4059006">
                   <a:moveTo>
-                    <a:pt x="0" y="4055309"/>
+                    <a:pt x="0" y="4059006"/>
                   </a:moveTo>
                   <a:lnTo>
                     <a:pt x="0" y="0"/>
@@ -3734,15 +3734,15 @@
           </p:nvSpPr>
           <p:spPr>
             <a:xfrm>
-              <a:off x="5880265" y="1590617"/>
-              <a:ext cx="0" cy="4055309"/>
+              <a:off x="5879495" y="1590617"/>
+              <a:ext cx="0" cy="4059006"/>
             </a:xfrm>
             <a:custGeom>
               <a:avLst/>
               <a:pathLst>
-                <a:path w="0" h="4055309">
+                <a:path w="0" h="4059006">
                   <a:moveTo>
-                    <a:pt x="0" y="4055309"/>
+                    <a:pt x="0" y="4059006"/>
                   </a:moveTo>
                   <a:lnTo>
                     <a:pt x="0" y="0"/>
@@ -3777,15 +3777,15 @@
           </p:nvSpPr>
           <p:spPr>
             <a:xfrm>
-              <a:off x="7167133" y="1590617"/>
-              <a:ext cx="0" cy="4055309"/>
+              <a:off x="7166687" y="1590617"/>
+              <a:ext cx="0" cy="4059006"/>
             </a:xfrm>
             <a:custGeom>
               <a:avLst/>
               <a:pathLst>
-                <a:path w="0" h="4055309">
+                <a:path w="0" h="4059006">
                   <a:moveTo>
-                    <a:pt x="0" y="4055309"/>
+                    <a:pt x="0" y="4059006"/>
                   </a:moveTo>
                   <a:lnTo>
                     <a:pt x="0" y="0"/>
@@ -3820,15 +3820,15 @@
           </p:nvSpPr>
           <p:spPr>
             <a:xfrm>
-              <a:off x="8454002" y="1590617"/>
-              <a:ext cx="0" cy="4055309"/>
+              <a:off x="8453880" y="1590617"/>
+              <a:ext cx="0" cy="4059006"/>
             </a:xfrm>
             <a:custGeom>
               <a:avLst/>
               <a:pathLst>
-                <a:path w="0" h="4055309">
+                <a:path w="0" h="4059006">
                   <a:moveTo>
-                    <a:pt x="0" y="4055309"/>
+                    <a:pt x="0" y="4059006"/>
                   </a:moveTo>
                   <a:lnTo>
                     <a:pt x="0" y="0"/>
@@ -3863,8 +3863,8 @@
           </p:nvSpPr>
           <p:spPr>
             <a:xfrm>
-              <a:off x="2019661" y="1735449"/>
-              <a:ext cx="6781795" cy="868994"/>
+              <a:off x="2017917" y="1735581"/>
+              <a:ext cx="6783504" cy="869787"/>
             </a:xfrm>
             <a:prstGeom prst="rect">
               <a:avLst/>
@@ -3889,8 +3889,8 @@
           </p:nvSpPr>
           <p:spPr>
             <a:xfrm>
-              <a:off x="2019661" y="2700999"/>
-              <a:ext cx="6202704" cy="868994"/>
+              <a:off x="2017917" y="2702011"/>
+              <a:ext cx="6204268" cy="869787"/>
             </a:xfrm>
             <a:prstGeom prst="rect">
               <a:avLst/>
@@ -3915,8 +3915,8 @@
           </p:nvSpPr>
           <p:spPr>
             <a:xfrm>
-              <a:off x="2019661" y="3666549"/>
-              <a:ext cx="90080" cy="868994"/>
+              <a:off x="2017917" y="3668441"/>
+              <a:ext cx="90103" cy="869787"/>
             </a:xfrm>
             <a:prstGeom prst="rect">
               <a:avLst/>
@@ -3941,8 +3941,8 @@
           </p:nvSpPr>
           <p:spPr>
             <a:xfrm>
-              <a:off x="2019661" y="4632099"/>
-              <a:ext cx="12868" cy="868994"/>
+              <a:off x="2017917" y="4634872"/>
+              <a:ext cx="12871" cy="869787"/>
             </a:xfrm>
             <a:prstGeom prst="rect">
               <a:avLst/>
@@ -3967,7 +3967,7 @@
           </p:nvSpPr>
           <p:spPr>
             <a:xfrm>
-              <a:off x="8208776" y="2103395"/>
+              <a:off x="8208699" y="2103923"/>
               <a:ext cx="87655" cy="29641"/>
             </a:xfrm>
             <a:custGeom>
@@ -4088,7 +4088,7 @@
           </p:nvSpPr>
           <p:spPr>
             <a:xfrm>
-              <a:off x="8221903" y="2133884"/>
+              <a:off x="8221826" y="2134412"/>
               <a:ext cx="61401" cy="8045"/>
             </a:xfrm>
             <a:custGeom>
@@ -4131,7 +4131,7 @@
           </p:nvSpPr>
           <p:spPr>
             <a:xfrm>
-              <a:off x="8204965" y="2153363"/>
+              <a:off x="8204888" y="2153891"/>
               <a:ext cx="97395" cy="48697"/>
             </a:xfrm>
             <a:custGeom>
@@ -4522,7 +4522,7 @@
           </p:nvSpPr>
           <p:spPr>
             <a:xfrm>
-              <a:off x="8311676" y="2103819"/>
+              <a:off x="8311599" y="2104347"/>
               <a:ext cx="99512" cy="94007"/>
             </a:xfrm>
             <a:custGeom>
@@ -4742,7 +4742,7 @@
           </p:nvSpPr>
           <p:spPr>
             <a:xfrm>
-              <a:off x="8333696" y="2115675"/>
+              <a:off x="8333619" y="2116203"/>
               <a:ext cx="55049" cy="24137"/>
             </a:xfrm>
             <a:custGeom>
@@ -4836,7 +4836,7 @@
           </p:nvSpPr>
           <p:spPr>
             <a:xfrm>
-              <a:off x="8429397" y="2104665"/>
+              <a:off x="8429320" y="2105194"/>
               <a:ext cx="19479" cy="22443"/>
             </a:xfrm>
             <a:custGeom>
@@ -4933,7 +4933,7 @@
           </p:nvSpPr>
           <p:spPr>
             <a:xfrm>
-              <a:off x="8420928" y="2136001"/>
+              <a:off x="8420851" y="2136529"/>
               <a:ext cx="37264" cy="60554"/>
             </a:xfrm>
             <a:custGeom>
@@ -5018,7 +5018,7 @@
           </p:nvSpPr>
           <p:spPr>
             <a:xfrm>
-              <a:off x="8450993" y="2104665"/>
+              <a:off x="8450916" y="2105194"/>
               <a:ext cx="68176" cy="98242"/>
             </a:xfrm>
             <a:custGeom>
@@ -5301,7 +5301,7 @@
           </p:nvSpPr>
           <p:spPr>
             <a:xfrm>
-              <a:off x="8534414" y="2108053"/>
+              <a:off x="8534337" y="2108581"/>
               <a:ext cx="87232" cy="94854"/>
             </a:xfrm>
             <a:custGeom>
@@ -5506,7 +5506,7 @@
           </p:nvSpPr>
           <p:spPr>
             <a:xfrm>
-              <a:off x="8550506" y="2127956"/>
+              <a:off x="8550429" y="2128484"/>
               <a:ext cx="55472" cy="8045"/>
             </a:xfrm>
             <a:custGeom>
@@ -5549,7 +5549,7 @@
           </p:nvSpPr>
           <p:spPr>
             <a:xfrm>
-              <a:off x="8556011" y="2147858"/>
+              <a:off x="8555934" y="2148386"/>
               <a:ext cx="44462" cy="33029"/>
             </a:xfrm>
             <a:custGeom>
@@ -5592,7 +5592,7 @@
           </p:nvSpPr>
           <p:spPr>
             <a:xfrm>
-              <a:off x="8564480" y="2155904"/>
+              <a:off x="8564403" y="2156432"/>
               <a:ext cx="27524" cy="16938"/>
             </a:xfrm>
             <a:custGeom>
@@ -5635,7 +5635,7 @@
           </p:nvSpPr>
           <p:spPr>
             <a:xfrm>
-              <a:off x="7625874" y="3069792"/>
+              <a:off x="7625651" y="3071200"/>
               <a:ext cx="94430" cy="98242"/>
             </a:xfrm>
             <a:custGeom>
@@ -6014,7 +6014,7 @@
           </p:nvSpPr>
           <p:spPr>
             <a:xfrm>
-              <a:off x="7655939" y="3110444"/>
+              <a:off x="7655717" y="3111852"/>
               <a:ext cx="47427" cy="10162"/>
             </a:xfrm>
             <a:custGeom>
@@ -6057,7 +6057,7 @@
           </p:nvSpPr>
           <p:spPr>
             <a:xfrm>
-              <a:off x="7655939" y="3128229"/>
+              <a:off x="7655717" y="3129637"/>
               <a:ext cx="47427" cy="9739"/>
             </a:xfrm>
             <a:custGeom>
@@ -6100,7 +6100,7 @@
           </p:nvSpPr>
           <p:spPr>
             <a:xfrm>
-              <a:off x="7776625" y="3072756"/>
+              <a:off x="7776402" y="3074164"/>
               <a:ext cx="55049" cy="94430"/>
             </a:xfrm>
             <a:custGeom>
@@ -6401,7 +6401,7 @@
           </p:nvSpPr>
           <p:spPr>
             <a:xfrm>
-              <a:off x="7785094" y="3080802"/>
+              <a:off x="7784871" y="3082210"/>
               <a:ext cx="29641" cy="12280"/>
             </a:xfrm>
             <a:custGeom>
@@ -6444,7 +6444,7 @@
           </p:nvSpPr>
           <p:spPr>
             <a:xfrm>
-              <a:off x="7785094" y="3101128"/>
+              <a:off x="7784871" y="3102536"/>
               <a:ext cx="29641" cy="11856"/>
             </a:xfrm>
             <a:custGeom>
@@ -6487,7 +6487,7 @@
           </p:nvSpPr>
           <p:spPr>
             <a:xfrm>
-              <a:off x="7736820" y="3073603"/>
+              <a:off x="7736597" y="3075011"/>
               <a:ext cx="35993" cy="94430"/>
             </a:xfrm>
             <a:custGeom>
@@ -6785,7 +6785,7 @@
           </p:nvSpPr>
           <p:spPr>
             <a:xfrm>
-              <a:off x="7850306" y="3070215"/>
+              <a:off x="7850083" y="3071624"/>
               <a:ext cx="19479" cy="22443"/>
             </a:xfrm>
             <a:custGeom>
@@ -6882,7 +6882,7 @@
           </p:nvSpPr>
           <p:spPr>
             <a:xfrm>
-              <a:off x="7841837" y="3101551"/>
+              <a:off x="7841614" y="3102960"/>
               <a:ext cx="37264" cy="60554"/>
             </a:xfrm>
             <a:custGeom>
@@ -6967,7 +6967,7 @@
           </p:nvSpPr>
           <p:spPr>
             <a:xfrm>
-              <a:off x="7871903" y="3070215"/>
+              <a:off x="7871680" y="3071624"/>
               <a:ext cx="68176" cy="98242"/>
             </a:xfrm>
             <a:custGeom>
@@ -7250,7 +7250,7 @@
           </p:nvSpPr>
           <p:spPr>
             <a:xfrm>
-              <a:off x="7955324" y="3073603"/>
+              <a:off x="7955101" y="3075011"/>
               <a:ext cx="87232" cy="94854"/>
             </a:xfrm>
             <a:custGeom>
@@ -7455,7 +7455,7 @@
           </p:nvSpPr>
           <p:spPr>
             <a:xfrm>
-              <a:off x="7971415" y="3093505"/>
+              <a:off x="7971192" y="3094914"/>
               <a:ext cx="55472" cy="8045"/>
             </a:xfrm>
             <a:custGeom>
@@ -7498,7 +7498,7 @@
           </p:nvSpPr>
           <p:spPr>
             <a:xfrm>
-              <a:off x="7976920" y="3113408"/>
+              <a:off x="7976697" y="3114816"/>
               <a:ext cx="44462" cy="33029"/>
             </a:xfrm>
             <a:custGeom>
@@ -7541,7 +7541,7 @@
           </p:nvSpPr>
           <p:spPr>
             <a:xfrm>
-              <a:off x="7985389" y="3121454"/>
+              <a:off x="7985166" y="3122862"/>
               <a:ext cx="27524" cy="16938"/>
             </a:xfrm>
             <a:custGeom>
@@ -7584,7 +7584,7 @@
           </p:nvSpPr>
           <p:spPr>
             <a:xfrm>
-              <a:off x="2283623" y="4055763"/>
+              <a:off x="2281944" y="4058052"/>
               <a:ext cx="95277" cy="92313"/>
             </a:xfrm>
             <a:custGeom>
@@ -7732,7 +7732,7 @@
           </p:nvSpPr>
           <p:spPr>
             <a:xfrm>
-              <a:off x="2341213" y="4082441"/>
+              <a:off x="2339535" y="4084729"/>
               <a:ext cx="41498" cy="41075"/>
             </a:xfrm>
             <a:custGeom>
@@ -7829,7 +7829,7 @@
           </p:nvSpPr>
           <p:spPr>
             <a:xfrm>
-              <a:off x="2401344" y="4050681"/>
+              <a:off x="2399665" y="4052970"/>
               <a:ext cx="19479" cy="22443"/>
             </a:xfrm>
             <a:custGeom>
@@ -7926,7 +7926,7 @@
           </p:nvSpPr>
           <p:spPr>
             <a:xfrm>
-              <a:off x="2392875" y="4082017"/>
+              <a:off x="2391196" y="4084306"/>
               <a:ext cx="37264" cy="60554"/>
             </a:xfrm>
             <a:custGeom>
@@ -8011,7 +8011,7 @@
           </p:nvSpPr>
           <p:spPr>
             <a:xfrm>
-              <a:off x="2422940" y="4050681"/>
+              <a:off x="2421262" y="4052970"/>
               <a:ext cx="68176" cy="98242"/>
             </a:xfrm>
             <a:custGeom>
@@ -8294,7 +8294,7 @@
           </p:nvSpPr>
           <p:spPr>
             <a:xfrm>
-              <a:off x="2506361" y="4054069"/>
+              <a:off x="2504683" y="4056358"/>
               <a:ext cx="87232" cy="94854"/>
             </a:xfrm>
             <a:custGeom>
@@ -8499,7 +8499,7 @@
           </p:nvSpPr>
           <p:spPr>
             <a:xfrm>
-              <a:off x="2522452" y="4073972"/>
+              <a:off x="2520774" y="4076260"/>
               <a:ext cx="55472" cy="8045"/>
             </a:xfrm>
             <a:custGeom>
@@ -8542,7 +8542,7 @@
           </p:nvSpPr>
           <p:spPr>
             <a:xfrm>
-              <a:off x="2527957" y="4093874"/>
+              <a:off x="2526279" y="4096163"/>
               <a:ext cx="44462" cy="33029"/>
             </a:xfrm>
             <a:custGeom>
@@ -8585,7 +8585,7 @@
           </p:nvSpPr>
           <p:spPr>
             <a:xfrm>
-              <a:off x="2536426" y="4101920"/>
+              <a:off x="2534748" y="4104208"/>
               <a:ext cx="27524" cy="16938"/>
             </a:xfrm>
             <a:custGeom>
@@ -8628,7 +8628,7 @@
           </p:nvSpPr>
           <p:spPr>
             <a:xfrm>
-              <a:off x="2211915" y="5014961"/>
+              <a:off x="2210218" y="5018130"/>
               <a:ext cx="87655" cy="29641"/>
             </a:xfrm>
             <a:custGeom>
@@ -8749,7 +8749,7 @@
           </p:nvSpPr>
           <p:spPr>
             <a:xfrm>
-              <a:off x="2225043" y="5045450"/>
+              <a:off x="2223345" y="5048619"/>
               <a:ext cx="61401" cy="8045"/>
             </a:xfrm>
             <a:custGeom>
@@ -8792,7 +8792,7 @@
           </p:nvSpPr>
           <p:spPr>
             <a:xfrm>
-              <a:off x="2208104" y="5064929"/>
+              <a:off x="2206407" y="5068098"/>
               <a:ext cx="97395" cy="48697"/>
             </a:xfrm>
             <a:custGeom>
@@ -9183,7 +9183,7 @@
           </p:nvSpPr>
           <p:spPr>
             <a:xfrm>
-              <a:off x="2314816" y="5015384"/>
+              <a:off x="2313118" y="5018553"/>
               <a:ext cx="99512" cy="94007"/>
             </a:xfrm>
             <a:custGeom>
@@ -9403,7 +9403,7 @@
           </p:nvSpPr>
           <p:spPr>
             <a:xfrm>
-              <a:off x="2336835" y="5027241"/>
+              <a:off x="2335138" y="5030410"/>
               <a:ext cx="55049" cy="24137"/>
             </a:xfrm>
             <a:custGeom>
@@ -9497,7 +9497,7 @@
           </p:nvSpPr>
           <p:spPr>
             <a:xfrm>
-              <a:off x="2423221" y="5021313"/>
+              <a:off x="2421523" y="5024482"/>
               <a:ext cx="95277" cy="92313"/>
             </a:xfrm>
             <a:custGeom>
@@ -9645,7 +9645,7 @@
           </p:nvSpPr>
           <p:spPr>
             <a:xfrm>
-              <a:off x="2480811" y="5047991"/>
+              <a:off x="2479113" y="5051159"/>
               <a:ext cx="41498" cy="41075"/>
             </a:xfrm>
             <a:custGeom>
@@ -9742,7 +9742,7 @@
           </p:nvSpPr>
           <p:spPr>
             <a:xfrm>
-              <a:off x="2540942" y="5016231"/>
+              <a:off x="2539244" y="5019400"/>
               <a:ext cx="19479" cy="22443"/>
             </a:xfrm>
             <a:custGeom>
@@ -9839,7 +9839,7 @@
           </p:nvSpPr>
           <p:spPr>
             <a:xfrm>
-              <a:off x="2532472" y="5047567"/>
+              <a:off x="2530775" y="5050736"/>
               <a:ext cx="37264" cy="60554"/>
             </a:xfrm>
             <a:custGeom>
@@ -9924,7 +9924,7 @@
           </p:nvSpPr>
           <p:spPr>
             <a:xfrm>
-              <a:off x="2562538" y="5016231"/>
+              <a:off x="2560840" y="5019400"/>
               <a:ext cx="68176" cy="98242"/>
             </a:xfrm>
             <a:custGeom>
@@ -10207,7 +10207,7 @@
           </p:nvSpPr>
           <p:spPr>
             <a:xfrm>
-              <a:off x="2645959" y="5019619"/>
+              <a:off x="2644261" y="5022788"/>
               <a:ext cx="87232" cy="94854"/>
             </a:xfrm>
             <a:custGeom>
@@ -10412,7 +10412,7 @@
           </p:nvSpPr>
           <p:spPr>
             <a:xfrm>
-              <a:off x="2662050" y="5039521"/>
+              <a:off x="2660353" y="5042690"/>
               <a:ext cx="55472" cy="8045"/>
             </a:xfrm>
             <a:custGeom>
@@ -10455,7 +10455,7 @@
           </p:nvSpPr>
           <p:spPr>
             <a:xfrm>
-              <a:off x="2667555" y="5059424"/>
+              <a:off x="2665858" y="5062593"/>
               <a:ext cx="44462" cy="33029"/>
             </a:xfrm>
             <a:custGeom>
@@ -10498,7 +10498,7 @@
           </p:nvSpPr>
           <p:spPr>
             <a:xfrm>
-              <a:off x="2676024" y="5067470"/>
+              <a:off x="2674327" y="5070639"/>
               <a:ext cx="27524" cy="16938"/>
             </a:xfrm>
             <a:custGeom>
@@ -10541,8 +10541,8 @@
           </p:nvSpPr>
           <p:spPr>
             <a:xfrm>
-              <a:off x="2019661" y="1590617"/>
-              <a:ext cx="6917431" cy="4055309"/>
+              <a:off x="2017917" y="1590617"/>
+              <a:ext cx="6919174" cy="4059006"/>
             </a:xfrm>
             <a:prstGeom prst="rect">
               <a:avLst/>
@@ -10571,7 +10571,7 @@
           </p:nvSpPr>
           <p:spPr>
             <a:xfrm>
-              <a:off x="1924402" y="5028151"/>
+              <a:off x="1922659" y="5031320"/>
               <a:ext cx="59863" cy="76889"/>
             </a:xfrm>
             <a:custGeom>
@@ -10635,7 +10635,7 @@
           </p:nvSpPr>
           <p:spPr>
             <a:xfrm>
-              <a:off x="1936899" y="5042138"/>
+              <a:off x="1935155" y="5045307"/>
               <a:ext cx="22952" cy="35836"/>
             </a:xfrm>
             <a:custGeom>
@@ -10912,7 +10912,7 @@
           </p:nvSpPr>
           <p:spPr>
             <a:xfrm>
-              <a:off x="1925275" y="4061456"/>
+              <a:off x="1923532" y="4063744"/>
               <a:ext cx="55552" cy="79290"/>
             </a:xfrm>
             <a:custGeom>
@@ -11835,7 +11835,7 @@
                     <a:pt x="26919" y="13"/>
                   </a:lnTo>
                   <a:lnTo>
-                    <a:pt x="27939" y="0"/>
+                    <a:pt x="27940" y="0"/>
                   </a:lnTo>
                   <a:lnTo>
                     <a:pt x="29274" y="16"/>
@@ -12221,7 +12221,7 @@
           </p:nvSpPr>
           <p:spPr>
             <a:xfrm>
-              <a:off x="1926585" y="3095906"/>
+              <a:off x="1924841" y="3097314"/>
               <a:ext cx="53806" cy="78035"/>
             </a:xfrm>
             <a:custGeom>
@@ -12987,7 +12987,7 @@
           </p:nvSpPr>
           <p:spPr>
             <a:xfrm>
-              <a:off x="1929750" y="2131502"/>
+              <a:off x="1928007" y="2132030"/>
               <a:ext cx="52005" cy="76889"/>
             </a:xfrm>
             <a:custGeom>
@@ -13051,7 +13051,7 @@
           </p:nvSpPr>
           <p:spPr>
             <a:xfrm>
-              <a:off x="1984866" y="5066596"/>
+              <a:off x="1983123" y="5069765"/>
               <a:ext cx="34794" cy="0"/>
             </a:xfrm>
             <a:custGeom>
@@ -13091,7 +13091,7 @@
           </p:nvSpPr>
           <p:spPr>
             <a:xfrm>
-              <a:off x="1984866" y="4101046"/>
+              <a:off x="1983123" y="4103335"/>
               <a:ext cx="34794" cy="0"/>
             </a:xfrm>
             <a:custGeom>
@@ -13131,7 +13131,7 @@
           </p:nvSpPr>
           <p:spPr>
             <a:xfrm>
-              <a:off x="1984866" y="3135496"/>
+              <a:off x="1983123" y="3136905"/>
               <a:ext cx="34794" cy="0"/>
             </a:xfrm>
             <a:custGeom>
@@ -13171,7 +13171,7 @@
           </p:nvSpPr>
           <p:spPr>
             <a:xfrm>
-              <a:off x="1984866" y="2169947"/>
+              <a:off x="1983123" y="2170475"/>
               <a:ext cx="34794" cy="0"/>
             </a:xfrm>
             <a:custGeom>
@@ -13211,7 +13211,7 @@
           </p:nvSpPr>
           <p:spPr>
             <a:xfrm>
-              <a:off x="2019661" y="5645926"/>
+              <a:off x="2017917" y="5649623"/>
               <a:ext cx="0" cy="34794"/>
             </a:xfrm>
             <a:custGeom>
@@ -13251,7 +13251,7 @@
           </p:nvSpPr>
           <p:spPr>
             <a:xfrm>
-              <a:off x="3306529" y="5645926"/>
+              <a:off x="3305110" y="5649623"/>
               <a:ext cx="0" cy="34794"/>
             </a:xfrm>
             <a:custGeom>
@@ -13291,7 +13291,7 @@
           </p:nvSpPr>
           <p:spPr>
             <a:xfrm>
-              <a:off x="4593397" y="5645926"/>
+              <a:off x="4592302" y="5649623"/>
               <a:ext cx="0" cy="34794"/>
             </a:xfrm>
             <a:custGeom>
@@ -13331,7 +13331,7 @@
           </p:nvSpPr>
           <p:spPr>
             <a:xfrm>
-              <a:off x="5880265" y="5645926"/>
+              <a:off x="5879495" y="5649623"/>
               <a:ext cx="0" cy="34794"/>
             </a:xfrm>
             <a:custGeom>
@@ -13371,7 +13371,7 @@
           </p:nvSpPr>
           <p:spPr>
             <a:xfrm>
-              <a:off x="7167133" y="5645926"/>
+              <a:off x="7166687" y="5649623"/>
               <a:ext cx="0" cy="34794"/>
             </a:xfrm>
             <a:custGeom>
@@ -13411,7 +13411,7 @@
           </p:nvSpPr>
           <p:spPr>
             <a:xfrm>
-              <a:off x="8454002" y="5645926"/>
+              <a:off x="8453880" y="5649623"/>
               <a:ext cx="0" cy="34794"/>
             </a:xfrm>
             <a:custGeom>
@@ -13451,7 +13451,7 @@
           </p:nvSpPr>
           <p:spPr>
             <a:xfrm>
-              <a:off x="1992948" y="5707410"/>
+              <a:off x="1991205" y="5711107"/>
               <a:ext cx="53424" cy="79126"/>
             </a:xfrm>
             <a:custGeom>
@@ -13894,7 +13894,7 @@
                     <a:pt x="48312" y="12306"/>
                   </a:lnTo>
                   <a:lnTo>
-                    <a:pt x="48894" y="13492"/>
+                    <a:pt x="48895" y="13492"/>
                   </a:lnTo>
                   <a:lnTo>
                     <a:pt x="49447" y="14740"/>
@@ -13962,7 +13962,7 @@
           </p:nvSpPr>
           <p:spPr>
             <a:xfrm>
-              <a:off x="2002880" y="5715377"/>
+              <a:off x="2001137" y="5719075"/>
               <a:ext cx="33506" cy="63137"/>
             </a:xfrm>
             <a:custGeom>
@@ -14473,7 +14473,7 @@
           </p:nvSpPr>
           <p:spPr>
             <a:xfrm>
-              <a:off x="3221808" y="5708556"/>
+              <a:off x="3220389" y="5712253"/>
               <a:ext cx="48185" cy="76889"/>
             </a:xfrm>
             <a:custGeom>
@@ -14537,7 +14537,7 @@
           </p:nvSpPr>
           <p:spPr>
             <a:xfrm>
-              <a:off x="3279817" y="5707410"/>
+              <a:off x="3278397" y="5711107"/>
               <a:ext cx="53424" cy="79126"/>
             </a:xfrm>
             <a:custGeom>
@@ -15048,7 +15048,7 @@
           </p:nvSpPr>
           <p:spPr>
             <a:xfrm>
-              <a:off x="3289748" y="5715377"/>
+              <a:off x="3288329" y="5719075"/>
               <a:ext cx="33506" cy="63137"/>
             </a:xfrm>
             <a:custGeom>
@@ -15559,7 +15559,7 @@
           </p:nvSpPr>
           <p:spPr>
             <a:xfrm>
-              <a:off x="3341972" y="5707410"/>
+              <a:off x="3340553" y="5711107"/>
               <a:ext cx="53424" cy="79126"/>
             </a:xfrm>
             <a:custGeom>
@@ -16070,7 +16070,7 @@
           </p:nvSpPr>
           <p:spPr>
             <a:xfrm>
-              <a:off x="3351904" y="5715377"/>
+              <a:off x="3350485" y="5719075"/>
               <a:ext cx="33506" cy="63137"/>
             </a:xfrm>
             <a:custGeom>
@@ -16581,7 +16581,7 @@
           </p:nvSpPr>
           <p:spPr>
             <a:xfrm>
-              <a:off x="4505784" y="5707410"/>
+              <a:off x="4504690" y="5711107"/>
               <a:ext cx="50914" cy="78035"/>
             </a:xfrm>
             <a:custGeom>
@@ -17527,7 +17527,7 @@
           </p:nvSpPr>
           <p:spPr>
             <a:xfrm>
-              <a:off x="4566685" y="5707410"/>
+              <a:off x="4565590" y="5711107"/>
               <a:ext cx="53424" cy="79126"/>
             </a:xfrm>
             <a:custGeom>
@@ -18038,7 +18038,7 @@
           </p:nvSpPr>
           <p:spPr>
             <a:xfrm>
-              <a:off x="4576617" y="5715377"/>
+              <a:off x="4575522" y="5719075"/>
               <a:ext cx="33506" cy="63137"/>
             </a:xfrm>
             <a:custGeom>
@@ -18549,7 +18549,7 @@
           </p:nvSpPr>
           <p:spPr>
             <a:xfrm>
-              <a:off x="4628840" y="5707410"/>
+              <a:off x="4627746" y="5711107"/>
               <a:ext cx="53424" cy="79126"/>
             </a:xfrm>
             <a:custGeom>
@@ -19060,7 +19060,7 @@
           </p:nvSpPr>
           <p:spPr>
             <a:xfrm>
-              <a:off x="4638772" y="5715377"/>
+              <a:off x="4637677" y="5719075"/>
               <a:ext cx="33506" cy="63137"/>
             </a:xfrm>
             <a:custGeom>
@@ -19571,7 +19571,7 @@
           </p:nvSpPr>
           <p:spPr>
             <a:xfrm>
-              <a:off x="5791288" y="5707410"/>
+              <a:off x="5790518" y="5711107"/>
               <a:ext cx="52987" cy="79126"/>
             </a:xfrm>
             <a:custGeom>
@@ -20880,7 +20880,7 @@
           </p:nvSpPr>
           <p:spPr>
             <a:xfrm>
-              <a:off x="5853553" y="5707410"/>
+              <a:off x="5852783" y="5711107"/>
               <a:ext cx="53424" cy="79126"/>
             </a:xfrm>
             <a:custGeom>
@@ -21391,7 +21391,7 @@
           </p:nvSpPr>
           <p:spPr>
             <a:xfrm>
-              <a:off x="5863485" y="5715377"/>
+              <a:off x="5862714" y="5719075"/>
               <a:ext cx="33506" cy="63137"/>
             </a:xfrm>
             <a:custGeom>
@@ -21902,7 +21902,7 @@
           </p:nvSpPr>
           <p:spPr>
             <a:xfrm>
-              <a:off x="5915709" y="5707410"/>
+              <a:off x="5914938" y="5711107"/>
               <a:ext cx="53424" cy="79126"/>
             </a:xfrm>
             <a:custGeom>
@@ -22413,7 +22413,7 @@
           </p:nvSpPr>
           <p:spPr>
             <a:xfrm>
-              <a:off x="5925640" y="5715377"/>
+              <a:off x="5924870" y="5719075"/>
               <a:ext cx="33506" cy="63137"/>
             </a:xfrm>
             <a:custGeom>
@@ -22924,7 +22924,7 @@
           </p:nvSpPr>
           <p:spPr>
             <a:xfrm>
-              <a:off x="7076465" y="5708556"/>
+              <a:off x="7076019" y="5712253"/>
               <a:ext cx="56316" cy="76889"/>
             </a:xfrm>
             <a:custGeom>
@@ -22988,7 +22988,7 @@
           </p:nvSpPr>
           <p:spPr>
             <a:xfrm>
-              <a:off x="7085524" y="5720283"/>
+              <a:off x="7085077" y="5723981"/>
               <a:ext cx="27176" cy="40005"/>
             </a:xfrm>
             <a:custGeom>
@@ -23202,7 +23202,7 @@
           </p:nvSpPr>
           <p:spPr>
             <a:xfrm>
-              <a:off x="7140421" y="5707410"/>
+              <a:off x="7139975" y="5711107"/>
               <a:ext cx="53424" cy="79126"/>
             </a:xfrm>
             <a:custGeom>
@@ -23713,7 +23713,7 @@
           </p:nvSpPr>
           <p:spPr>
             <a:xfrm>
-              <a:off x="7150353" y="5715377"/>
+              <a:off x="7149907" y="5719075"/>
               <a:ext cx="33506" cy="63137"/>
             </a:xfrm>
             <a:custGeom>
@@ -24224,7 +24224,7 @@
           </p:nvSpPr>
           <p:spPr>
             <a:xfrm>
-              <a:off x="7202577" y="5707410"/>
+              <a:off x="7202131" y="5711107"/>
               <a:ext cx="53424" cy="79126"/>
             </a:xfrm>
             <a:custGeom>
@@ -24735,7 +24735,7 @@
           </p:nvSpPr>
           <p:spPr>
             <a:xfrm>
-              <a:off x="7212509" y="5715377"/>
+              <a:off x="7212063" y="5719075"/>
               <a:ext cx="33506" cy="63137"/>
             </a:xfrm>
             <a:custGeom>
@@ -25246,7 +25246,7 @@
           </p:nvSpPr>
           <p:spPr>
             <a:xfrm>
-              <a:off x="8365243" y="5708556"/>
+              <a:off x="8365121" y="5712253"/>
               <a:ext cx="52987" cy="77980"/>
             </a:xfrm>
             <a:custGeom>
@@ -26198,7 +26198,7 @@
           </p:nvSpPr>
           <p:spPr>
             <a:xfrm>
-              <a:off x="8427289" y="5707410"/>
+              <a:off x="8427168" y="5711107"/>
               <a:ext cx="53424" cy="79126"/>
             </a:xfrm>
             <a:custGeom>
@@ -26709,7 +26709,7 @@
           </p:nvSpPr>
           <p:spPr>
             <a:xfrm>
-              <a:off x="8437221" y="5715377"/>
+              <a:off x="8437100" y="5719075"/>
               <a:ext cx="33506" cy="63137"/>
             </a:xfrm>
             <a:custGeom>
@@ -27220,7 +27220,7 @@
           </p:nvSpPr>
           <p:spPr>
             <a:xfrm>
-              <a:off x="8489445" y="5707410"/>
+              <a:off x="8489323" y="5711107"/>
               <a:ext cx="53424" cy="79126"/>
             </a:xfrm>
             <a:custGeom>
@@ -27731,7 +27731,7 @@
           </p:nvSpPr>
           <p:spPr>
             <a:xfrm>
-              <a:off x="8499377" y="5715377"/>
+              <a:off x="8499255" y="5719075"/>
               <a:ext cx="33506" cy="63137"/>
             </a:xfrm>
             <a:custGeom>
